--- a/오픈소스 SW.pptx
+++ b/오픈소스 SW.pptx
@@ -4,11 +4,17 @@
   <p:sldMasterIdLst>
     <p:sldMasterId id="2147483648" r:id="rId1"/>
   </p:sldMasterIdLst>
+  <p:notesMasterIdLst>
+    <p:notesMasterId r:id="rId12"/>
+  </p:notesMasterIdLst>
+  <p:handoutMasterIdLst>
+    <p:handoutMasterId r:id="rId13"/>
+  </p:handoutMasterIdLst>
   <p:sldIdLst>
     <p:sldId id="256" r:id="rId2"/>
     <p:sldId id="257" r:id="rId3"/>
-    <p:sldId id="259" r:id="rId4"/>
-    <p:sldId id="260" r:id="rId5"/>
+    <p:sldId id="260" r:id="rId4"/>
+    <p:sldId id="259" r:id="rId5"/>
     <p:sldId id="261" r:id="rId6"/>
     <p:sldId id="262" r:id="rId7"/>
     <p:sldId id="263" r:id="rId8"/>
@@ -113,7 +119,563 @@
       </a:defRPr>
     </a:lvl9pPr>
   </p:defaultTextStyle>
+  <p:extLst>
+    <p:ext uri="{EFAFB233-063F-42B5-8137-9DF3F51BA10A}">
+      <p15:sldGuideLst xmlns:p15="http://schemas.microsoft.com/office/powerpoint/2012/main">
+        <p15:guide id="1" orient="horz" pos="2160">
+          <p15:clr>
+            <a:srgbClr val="A4A3A4"/>
+          </p15:clr>
+        </p15:guide>
+        <p15:guide id="2" pos="3840">
+          <p15:clr>
+            <a:srgbClr val="A4A3A4"/>
+          </p15:clr>
+        </p15:guide>
+      </p15:sldGuideLst>
+    </p:ext>
+  </p:extLst>
 </p:presentation>
+</file>
+
+<file path=ppt/handoutMasters/handoutMaster1.xml><?xml version="1.0" encoding="utf-8"?>
+<p:handoutMaster xmlns:a="http://schemas.openxmlformats.org/drawingml/2006/main" xmlns:r="http://schemas.openxmlformats.org/officeDocument/2006/relationships" xmlns:p="http://schemas.openxmlformats.org/presentationml/2006/main">
+  <p:cSld>
+    <p:bg>
+      <p:bgRef idx="1001">
+        <a:schemeClr val="bg1"/>
+      </p:bgRef>
+    </p:bg>
+    <p:spTree>
+      <p:nvGrpSpPr>
+        <p:cNvPr id="1" name=""/>
+        <p:cNvGrpSpPr/>
+        <p:nvPr/>
+      </p:nvGrpSpPr>
+      <p:grpSpPr>
+        <a:xfrm>
+          <a:off x="0" y="0"/>
+          <a:ext cx="0" cy="0"/>
+          <a:chOff x="0" y="0"/>
+          <a:chExt cx="0" cy="0"/>
+        </a:xfrm>
+      </p:grpSpPr>
+      <p:sp>
+        <p:nvSpPr>
+          <p:cNvPr id="2" name="머리글 개체 틀 1">
+            <a:extLst>
+              <a:ext uri="{FF2B5EF4-FFF2-40B4-BE49-F238E27FC236}">
+                <a16:creationId xmlns:a16="http://schemas.microsoft.com/office/drawing/2014/main" id="{8700AAE0-08F7-41BB-9816-5A56E95E21DA}"/>
+              </a:ext>
+            </a:extLst>
+          </p:cNvPr>
+          <p:cNvSpPr>
+            <a:spLocks noGrp="1"/>
+          </p:cNvSpPr>
+          <p:nvPr>
+            <p:ph type="hdr" sz="quarter"/>
+          </p:nvPr>
+        </p:nvSpPr>
+        <p:spPr>
+          <a:xfrm>
+            <a:off x="0" y="0"/>
+            <a:ext cx="2971800" cy="458788"/>
+          </a:xfrm>
+          <a:prstGeom prst="rect">
+            <a:avLst/>
+          </a:prstGeom>
+        </p:spPr>
+        <p:txBody>
+          <a:bodyPr vert="horz" lIns="91440" tIns="45720" rIns="91440" bIns="45720" rtlCol="0"/>
+          <a:lstStyle>
+            <a:lvl1pPr algn="l">
+              <a:defRPr sz="1200"/>
+            </a:lvl1pPr>
+          </a:lstStyle>
+          <a:p>
+            <a:endParaRPr lang="ko-KR" altLang="en-US"/>
+          </a:p>
+        </p:txBody>
+      </p:sp>
+      <p:sp>
+        <p:nvSpPr>
+          <p:cNvPr id="3" name="날짜 개체 틀 2">
+            <a:extLst>
+              <a:ext uri="{FF2B5EF4-FFF2-40B4-BE49-F238E27FC236}">
+                <a16:creationId xmlns:a16="http://schemas.microsoft.com/office/drawing/2014/main" id="{B071D0CA-1A71-45EE-8F2E-FFA21068E3CF}"/>
+              </a:ext>
+            </a:extLst>
+          </p:cNvPr>
+          <p:cNvSpPr>
+            <a:spLocks noGrp="1"/>
+          </p:cNvSpPr>
+          <p:nvPr>
+            <p:ph type="dt" sz="quarter" idx="1"/>
+          </p:nvPr>
+        </p:nvSpPr>
+        <p:spPr>
+          <a:xfrm>
+            <a:off x="3884613" y="0"/>
+            <a:ext cx="2971800" cy="458788"/>
+          </a:xfrm>
+          <a:prstGeom prst="rect">
+            <a:avLst/>
+          </a:prstGeom>
+        </p:spPr>
+        <p:txBody>
+          <a:bodyPr vert="horz" lIns="91440" tIns="45720" rIns="91440" bIns="45720" rtlCol="0"/>
+          <a:lstStyle>
+            <a:lvl1pPr algn="r">
+              <a:defRPr sz="1200"/>
+            </a:lvl1pPr>
+          </a:lstStyle>
+          <a:p>
+            <a:fld id="{B0E216CF-BC58-4BDA-8A5A-9452E09A5DD8}" type="datetimeFigureOut">
+              <a:rPr lang="ko-KR" altLang="en-US" smtClean="0"/>
+              <a:t>2019. 6. 11.</a:t>
+            </a:fld>
+            <a:endParaRPr lang="ko-KR" altLang="en-US"/>
+          </a:p>
+        </p:txBody>
+      </p:sp>
+      <p:sp>
+        <p:nvSpPr>
+          <p:cNvPr id="4" name="바닥글 개체 틀 3">
+            <a:extLst>
+              <a:ext uri="{FF2B5EF4-FFF2-40B4-BE49-F238E27FC236}">
+                <a16:creationId xmlns:a16="http://schemas.microsoft.com/office/drawing/2014/main" id="{59F791B7-9993-4191-9D55-4921CA08C8FB}"/>
+              </a:ext>
+            </a:extLst>
+          </p:cNvPr>
+          <p:cNvSpPr>
+            <a:spLocks noGrp="1"/>
+          </p:cNvSpPr>
+          <p:nvPr>
+            <p:ph type="ftr" sz="quarter" idx="2"/>
+          </p:nvPr>
+        </p:nvSpPr>
+        <p:spPr>
+          <a:xfrm>
+            <a:off x="0" y="8685213"/>
+            <a:ext cx="2971800" cy="458787"/>
+          </a:xfrm>
+          <a:prstGeom prst="rect">
+            <a:avLst/>
+          </a:prstGeom>
+        </p:spPr>
+        <p:txBody>
+          <a:bodyPr vert="horz" lIns="91440" tIns="45720" rIns="91440" bIns="45720" rtlCol="0" anchor="b"/>
+          <a:lstStyle>
+            <a:lvl1pPr algn="l">
+              <a:defRPr sz="1200"/>
+            </a:lvl1pPr>
+          </a:lstStyle>
+          <a:p>
+            <a:endParaRPr lang="ko-KR" altLang="en-US"/>
+          </a:p>
+        </p:txBody>
+      </p:sp>
+      <p:sp>
+        <p:nvSpPr>
+          <p:cNvPr id="5" name="슬라이드 번호 개체 틀 4">
+            <a:extLst>
+              <a:ext uri="{FF2B5EF4-FFF2-40B4-BE49-F238E27FC236}">
+                <a16:creationId xmlns:a16="http://schemas.microsoft.com/office/drawing/2014/main" id="{C6E0BFEE-2B92-4FC7-BE5F-9B22899C5813}"/>
+              </a:ext>
+            </a:extLst>
+          </p:cNvPr>
+          <p:cNvSpPr>
+            <a:spLocks noGrp="1"/>
+          </p:cNvSpPr>
+          <p:nvPr>
+            <p:ph type="sldNum" sz="quarter" idx="3"/>
+          </p:nvPr>
+        </p:nvSpPr>
+        <p:spPr>
+          <a:xfrm>
+            <a:off x="3884613" y="8685213"/>
+            <a:ext cx="2971800" cy="458787"/>
+          </a:xfrm>
+          <a:prstGeom prst="rect">
+            <a:avLst/>
+          </a:prstGeom>
+        </p:spPr>
+        <p:txBody>
+          <a:bodyPr vert="horz" lIns="91440" tIns="45720" rIns="91440" bIns="45720" rtlCol="0" anchor="b"/>
+          <a:lstStyle>
+            <a:lvl1pPr algn="r">
+              <a:defRPr sz="1200"/>
+            </a:lvl1pPr>
+          </a:lstStyle>
+          <a:p>
+            <a:fld id="{EB76E17D-46EA-4CF2-8B2A-5B062D41E173}" type="slidenum">
+              <a:rPr lang="ko-KR" altLang="en-US" smtClean="0"/>
+              <a:t>‹#›</a:t>
+            </a:fld>
+            <a:endParaRPr lang="ko-KR" altLang="en-US"/>
+          </a:p>
+        </p:txBody>
+      </p:sp>
+    </p:spTree>
+    <p:extLst>
+      <p:ext uri="{BB962C8B-B14F-4D97-AF65-F5344CB8AC3E}">
+        <p14:creationId xmlns:p14="http://schemas.microsoft.com/office/powerpoint/2010/main" val="2263465940"/>
+      </p:ext>
+    </p:extLst>
+  </p:cSld>
+  <p:clrMap bg1="lt1" tx1="dk1" bg2="lt2" tx2="dk2" accent1="accent1" accent2="accent2" accent3="accent3" accent4="accent4" accent5="accent5" accent6="accent6" hlink="hlink" folHlink="folHlink"/>
+  <p:hf hdr="0" ftr="0" dt="0"/>
+</p:handoutMaster>
+</file>
+
+<file path=ppt/notesMasters/notesMaster1.xml><?xml version="1.0" encoding="utf-8"?>
+<p:notesMaster xmlns:a="http://schemas.openxmlformats.org/drawingml/2006/main" xmlns:r="http://schemas.openxmlformats.org/officeDocument/2006/relationships" xmlns:p="http://schemas.openxmlformats.org/presentationml/2006/main">
+  <p:cSld>
+    <p:bg>
+      <p:bgRef idx="1001">
+        <a:schemeClr val="bg1"/>
+      </p:bgRef>
+    </p:bg>
+    <p:spTree>
+      <p:nvGrpSpPr>
+        <p:cNvPr id="1" name=""/>
+        <p:cNvGrpSpPr/>
+        <p:nvPr/>
+      </p:nvGrpSpPr>
+      <p:grpSpPr>
+        <a:xfrm>
+          <a:off x="0" y="0"/>
+          <a:ext cx="0" cy="0"/>
+          <a:chOff x="0" y="0"/>
+          <a:chExt cx="0" cy="0"/>
+        </a:xfrm>
+      </p:grpSpPr>
+      <p:sp>
+        <p:nvSpPr>
+          <p:cNvPr id="2" name="머리글 개체 틀 1"/>
+          <p:cNvSpPr>
+            <a:spLocks noGrp="1"/>
+          </p:cNvSpPr>
+          <p:nvPr>
+            <p:ph type="hdr" sz="quarter"/>
+          </p:nvPr>
+        </p:nvSpPr>
+        <p:spPr>
+          <a:xfrm>
+            <a:off x="0" y="0"/>
+            <a:ext cx="2971800" cy="458788"/>
+          </a:xfrm>
+          <a:prstGeom prst="rect">
+            <a:avLst/>
+          </a:prstGeom>
+        </p:spPr>
+        <p:txBody>
+          <a:bodyPr vert="horz" lIns="91440" tIns="45720" rIns="91440" bIns="45720" rtlCol="0"/>
+          <a:lstStyle>
+            <a:lvl1pPr algn="l">
+              <a:defRPr sz="1200"/>
+            </a:lvl1pPr>
+          </a:lstStyle>
+          <a:p>
+            <a:endParaRPr lang="ko-KR" altLang="en-US"/>
+          </a:p>
+        </p:txBody>
+      </p:sp>
+      <p:sp>
+        <p:nvSpPr>
+          <p:cNvPr id="3" name="날짜 개체 틀 2"/>
+          <p:cNvSpPr>
+            <a:spLocks noGrp="1"/>
+          </p:cNvSpPr>
+          <p:nvPr>
+            <p:ph type="dt" idx="1"/>
+          </p:nvPr>
+        </p:nvSpPr>
+        <p:spPr>
+          <a:xfrm>
+            <a:off x="3884613" y="0"/>
+            <a:ext cx="2971800" cy="458788"/>
+          </a:xfrm>
+          <a:prstGeom prst="rect">
+            <a:avLst/>
+          </a:prstGeom>
+        </p:spPr>
+        <p:txBody>
+          <a:bodyPr vert="horz" lIns="91440" tIns="45720" rIns="91440" bIns="45720" rtlCol="0"/>
+          <a:lstStyle>
+            <a:lvl1pPr algn="r">
+              <a:defRPr sz="1200"/>
+            </a:lvl1pPr>
+          </a:lstStyle>
+          <a:p>
+            <a:fld id="{368AE98D-9227-409E-8389-96763CB981FB}" type="datetimeFigureOut">
+              <a:rPr lang="ko-KR" altLang="en-US" smtClean="0"/>
+              <a:t>2019. 6. 11.</a:t>
+            </a:fld>
+            <a:endParaRPr lang="ko-KR" altLang="en-US"/>
+          </a:p>
+        </p:txBody>
+      </p:sp>
+      <p:sp>
+        <p:nvSpPr>
+          <p:cNvPr id="4" name="슬라이드 이미지 개체 틀 3"/>
+          <p:cNvSpPr>
+            <a:spLocks noGrp="1" noRot="1" noChangeAspect="1"/>
+          </p:cNvSpPr>
+          <p:nvPr>
+            <p:ph type="sldImg" idx="2"/>
+          </p:nvPr>
+        </p:nvSpPr>
+        <p:spPr>
+          <a:xfrm>
+            <a:off x="685800" y="1143000"/>
+            <a:ext cx="5486400" cy="3086100"/>
+          </a:xfrm>
+          <a:prstGeom prst="rect">
+            <a:avLst/>
+          </a:prstGeom>
+          <a:noFill/>
+          <a:ln w="12700">
+            <a:solidFill>
+              <a:prstClr val="black"/>
+            </a:solidFill>
+          </a:ln>
+        </p:spPr>
+        <p:txBody>
+          <a:bodyPr vert="horz" lIns="91440" tIns="45720" rIns="91440" bIns="45720" rtlCol="0" anchor="ctr"/>
+          <a:lstStyle/>
+          <a:p>
+            <a:endParaRPr lang="ko-KR" altLang="en-US"/>
+          </a:p>
+        </p:txBody>
+      </p:sp>
+      <p:sp>
+        <p:nvSpPr>
+          <p:cNvPr id="5" name="슬라이드 노트 개체 틀 4"/>
+          <p:cNvSpPr>
+            <a:spLocks noGrp="1"/>
+          </p:cNvSpPr>
+          <p:nvPr>
+            <p:ph type="body" sz="quarter" idx="3"/>
+          </p:nvPr>
+        </p:nvSpPr>
+        <p:spPr>
+          <a:xfrm>
+            <a:off x="685800" y="4400550"/>
+            <a:ext cx="5486400" cy="3600450"/>
+          </a:xfrm>
+          <a:prstGeom prst="rect">
+            <a:avLst/>
+          </a:prstGeom>
+        </p:spPr>
+        <p:txBody>
+          <a:bodyPr vert="horz" lIns="91440" tIns="45720" rIns="91440" bIns="45720" rtlCol="0"/>
+          <a:lstStyle/>
+          <a:p>
+            <a:pPr lvl="0"/>
+            <a:r>
+              <a:rPr lang="ko-KR" altLang="en-US"/>
+              <a:t>마스터 텍스트 스타일을 편집하려면 클릭</a:t>
+            </a:r>
+          </a:p>
+          <a:p>
+            <a:pPr lvl="1"/>
+            <a:r>
+              <a:rPr lang="ko-KR" altLang="en-US"/>
+              <a:t>두 번째 수준</a:t>
+            </a:r>
+          </a:p>
+          <a:p>
+            <a:pPr lvl="2"/>
+            <a:r>
+              <a:rPr lang="ko-KR" altLang="en-US"/>
+              <a:t>세 번째 수준</a:t>
+            </a:r>
+          </a:p>
+          <a:p>
+            <a:pPr lvl="3"/>
+            <a:r>
+              <a:rPr lang="ko-KR" altLang="en-US"/>
+              <a:t>네 번째 수준</a:t>
+            </a:r>
+          </a:p>
+          <a:p>
+            <a:pPr lvl="4"/>
+            <a:r>
+              <a:rPr lang="ko-KR" altLang="en-US"/>
+              <a:t>다섯 번째 수준</a:t>
+            </a:r>
+          </a:p>
+        </p:txBody>
+      </p:sp>
+      <p:sp>
+        <p:nvSpPr>
+          <p:cNvPr id="6" name="바닥글 개체 틀 5"/>
+          <p:cNvSpPr>
+            <a:spLocks noGrp="1"/>
+          </p:cNvSpPr>
+          <p:nvPr>
+            <p:ph type="ftr" sz="quarter" idx="4"/>
+          </p:nvPr>
+        </p:nvSpPr>
+        <p:spPr>
+          <a:xfrm>
+            <a:off x="0" y="8685213"/>
+            <a:ext cx="2971800" cy="458787"/>
+          </a:xfrm>
+          <a:prstGeom prst="rect">
+            <a:avLst/>
+          </a:prstGeom>
+        </p:spPr>
+        <p:txBody>
+          <a:bodyPr vert="horz" lIns="91440" tIns="45720" rIns="91440" bIns="45720" rtlCol="0" anchor="b"/>
+          <a:lstStyle>
+            <a:lvl1pPr algn="l">
+              <a:defRPr sz="1200"/>
+            </a:lvl1pPr>
+          </a:lstStyle>
+          <a:p>
+            <a:endParaRPr lang="ko-KR" altLang="en-US"/>
+          </a:p>
+        </p:txBody>
+      </p:sp>
+      <p:sp>
+        <p:nvSpPr>
+          <p:cNvPr id="7" name="슬라이드 번호 개체 틀 6"/>
+          <p:cNvSpPr>
+            <a:spLocks noGrp="1"/>
+          </p:cNvSpPr>
+          <p:nvPr>
+            <p:ph type="sldNum" sz="quarter" idx="5"/>
+          </p:nvPr>
+        </p:nvSpPr>
+        <p:spPr>
+          <a:xfrm>
+            <a:off x="3884613" y="8685213"/>
+            <a:ext cx="2971800" cy="458787"/>
+          </a:xfrm>
+          <a:prstGeom prst="rect">
+            <a:avLst/>
+          </a:prstGeom>
+        </p:spPr>
+        <p:txBody>
+          <a:bodyPr vert="horz" lIns="91440" tIns="45720" rIns="91440" bIns="45720" rtlCol="0" anchor="b"/>
+          <a:lstStyle>
+            <a:lvl1pPr algn="r">
+              <a:defRPr sz="1200"/>
+            </a:lvl1pPr>
+          </a:lstStyle>
+          <a:p>
+            <a:fld id="{2643BBAD-4E8A-4D94-B8CA-12802BAD4FAB}" type="slidenum">
+              <a:rPr lang="ko-KR" altLang="en-US" smtClean="0"/>
+              <a:t>‹#›</a:t>
+            </a:fld>
+            <a:endParaRPr lang="ko-KR" altLang="en-US"/>
+          </a:p>
+        </p:txBody>
+      </p:sp>
+    </p:spTree>
+    <p:extLst>
+      <p:ext uri="{BB962C8B-B14F-4D97-AF65-F5344CB8AC3E}">
+        <p14:creationId xmlns:p14="http://schemas.microsoft.com/office/powerpoint/2010/main" val="3726102519"/>
+      </p:ext>
+    </p:extLst>
+  </p:cSld>
+  <p:clrMap bg1="lt1" tx1="dk1" bg2="lt2" tx2="dk2" accent1="accent1" accent2="accent2" accent3="accent3" accent4="accent4" accent5="accent5" accent6="accent6" hlink="hlink" folHlink="folHlink"/>
+  <p:hf hdr="0" ftr="0" dt="0"/>
+  <p:notesStyle>
+    <a:lvl1pPr marL="0" algn="l" defTabSz="914400" rtl="0" eaLnBrk="1" latinLnBrk="1" hangingPunct="1">
+      <a:defRPr sz="1200" kern="1200">
+        <a:solidFill>
+          <a:schemeClr val="tx1"/>
+        </a:solidFill>
+        <a:latin typeface="+mn-lt"/>
+        <a:ea typeface="+mn-ea"/>
+        <a:cs typeface="+mn-cs"/>
+      </a:defRPr>
+    </a:lvl1pPr>
+    <a:lvl2pPr marL="457200" algn="l" defTabSz="914400" rtl="0" eaLnBrk="1" latinLnBrk="1" hangingPunct="1">
+      <a:defRPr sz="1200" kern="1200">
+        <a:solidFill>
+          <a:schemeClr val="tx1"/>
+        </a:solidFill>
+        <a:latin typeface="+mn-lt"/>
+        <a:ea typeface="+mn-ea"/>
+        <a:cs typeface="+mn-cs"/>
+      </a:defRPr>
+    </a:lvl2pPr>
+    <a:lvl3pPr marL="914400" algn="l" defTabSz="914400" rtl="0" eaLnBrk="1" latinLnBrk="1" hangingPunct="1">
+      <a:defRPr sz="1200" kern="1200">
+        <a:solidFill>
+          <a:schemeClr val="tx1"/>
+        </a:solidFill>
+        <a:latin typeface="+mn-lt"/>
+        <a:ea typeface="+mn-ea"/>
+        <a:cs typeface="+mn-cs"/>
+      </a:defRPr>
+    </a:lvl3pPr>
+    <a:lvl4pPr marL="1371600" algn="l" defTabSz="914400" rtl="0" eaLnBrk="1" latinLnBrk="1" hangingPunct="1">
+      <a:defRPr sz="1200" kern="1200">
+        <a:solidFill>
+          <a:schemeClr val="tx1"/>
+        </a:solidFill>
+        <a:latin typeface="+mn-lt"/>
+        <a:ea typeface="+mn-ea"/>
+        <a:cs typeface="+mn-cs"/>
+      </a:defRPr>
+    </a:lvl4pPr>
+    <a:lvl5pPr marL="1828800" algn="l" defTabSz="914400" rtl="0" eaLnBrk="1" latinLnBrk="1" hangingPunct="1">
+      <a:defRPr sz="1200" kern="1200">
+        <a:solidFill>
+          <a:schemeClr val="tx1"/>
+        </a:solidFill>
+        <a:latin typeface="+mn-lt"/>
+        <a:ea typeface="+mn-ea"/>
+        <a:cs typeface="+mn-cs"/>
+      </a:defRPr>
+    </a:lvl5pPr>
+    <a:lvl6pPr marL="2286000" algn="l" defTabSz="914400" rtl="0" eaLnBrk="1" latinLnBrk="1" hangingPunct="1">
+      <a:defRPr sz="1200" kern="1200">
+        <a:solidFill>
+          <a:schemeClr val="tx1"/>
+        </a:solidFill>
+        <a:latin typeface="+mn-lt"/>
+        <a:ea typeface="+mn-ea"/>
+        <a:cs typeface="+mn-cs"/>
+      </a:defRPr>
+    </a:lvl6pPr>
+    <a:lvl7pPr marL="2743200" algn="l" defTabSz="914400" rtl="0" eaLnBrk="1" latinLnBrk="1" hangingPunct="1">
+      <a:defRPr sz="1200" kern="1200">
+        <a:solidFill>
+          <a:schemeClr val="tx1"/>
+        </a:solidFill>
+        <a:latin typeface="+mn-lt"/>
+        <a:ea typeface="+mn-ea"/>
+        <a:cs typeface="+mn-cs"/>
+      </a:defRPr>
+    </a:lvl7pPr>
+    <a:lvl8pPr marL="3200400" algn="l" defTabSz="914400" rtl="0" eaLnBrk="1" latinLnBrk="1" hangingPunct="1">
+      <a:defRPr sz="1200" kern="1200">
+        <a:solidFill>
+          <a:schemeClr val="tx1"/>
+        </a:solidFill>
+        <a:latin typeface="+mn-lt"/>
+        <a:ea typeface="+mn-ea"/>
+        <a:cs typeface="+mn-cs"/>
+      </a:defRPr>
+    </a:lvl8pPr>
+    <a:lvl9pPr marL="3657600" algn="l" defTabSz="914400" rtl="0" eaLnBrk="1" latinLnBrk="1" hangingPunct="1">
+      <a:defRPr sz="1200" kern="1200">
+        <a:solidFill>
+          <a:schemeClr val="tx1"/>
+        </a:solidFill>
+        <a:latin typeface="+mn-lt"/>
+        <a:ea typeface="+mn-ea"/>
+        <a:cs typeface="+mn-cs"/>
+      </a:defRPr>
+    </a:lvl9pPr>
+  </p:notesStyle>
+</p:notesMaster>
 </file>
 
 <file path=ppt/slideLayouts/slideLayout1.xml><?xml version="1.0" encoding="utf-8"?>
@@ -158,10 +720,9 @@
           </a:lstStyle>
           <a:p>
             <a:r>
-              <a:rPr lang="ko-KR" altLang="en-US" smtClean="0"/>
+              <a:rPr lang="ko-KR" altLang="en-US"/>
               <a:t>마스터 제목 스타일 편집</a:t>
             </a:r>
-            <a:endParaRPr lang="ko-KR" altLang="en-US"/>
           </a:p>
         </p:txBody>
       </p:sp>
@@ -223,31 +784,30 @@
           </a:lstStyle>
           <a:p>
             <a:r>
+              <a:rPr lang="ko-KR" altLang="en-US"/>
+              <a:t>클릭하여 마스터 부제목 스타일 편집</a:t>
+            </a:r>
+          </a:p>
+        </p:txBody>
+      </p:sp>
+      <p:sp>
+        <p:nvSpPr>
+          <p:cNvPr id="4" name="날짜 개체 틀 3"/>
+          <p:cNvSpPr>
+            <a:spLocks noGrp="1"/>
+          </p:cNvSpPr>
+          <p:nvPr>
+            <p:ph type="dt" sz="half" idx="10"/>
+          </p:nvPr>
+        </p:nvSpPr>
+        <p:spPr/>
+        <p:txBody>
+          <a:bodyPr/>
+          <a:lstStyle/>
+          <a:p>
+            <a:fld id="{47CF7BAF-4D0C-40BA-B9BF-555C031210A4}" type="datetime1">
               <a:rPr lang="ko-KR" altLang="en-US" smtClean="0"/>
-              <a:t>클릭하여 마스터 부제목 스타일 편집</a:t>
-            </a:r>
-            <a:endParaRPr lang="ko-KR" altLang="en-US"/>
-          </a:p>
-        </p:txBody>
-      </p:sp>
-      <p:sp>
-        <p:nvSpPr>
-          <p:cNvPr id="4" name="날짜 개체 틀 3"/>
-          <p:cNvSpPr>
-            <a:spLocks noGrp="1"/>
-          </p:cNvSpPr>
-          <p:nvPr>
-            <p:ph type="dt" sz="half" idx="10"/>
-          </p:nvPr>
-        </p:nvSpPr>
-        <p:spPr/>
-        <p:txBody>
-          <a:bodyPr/>
-          <a:lstStyle/>
-          <a:p>
-            <a:fld id="{9345A81A-3500-4CAA-946E-E070AAC8587E}" type="datetimeFigureOut">
-              <a:rPr lang="ko-KR" altLang="en-US" smtClean="0"/>
-              <a:t>2019-06-10</a:t>
+              <a:t>2019. 6. 11.</a:t>
             </a:fld>
             <a:endParaRPr lang="ko-KR" altLang="en-US"/>
           </a:p>
@@ -341,83 +901,81 @@
           <a:lstStyle/>
           <a:p>
             <a:r>
+              <a:rPr lang="ko-KR" altLang="en-US"/>
+              <a:t>마스터 제목 스타일 편집</a:t>
+            </a:r>
+          </a:p>
+        </p:txBody>
+      </p:sp>
+      <p:sp>
+        <p:nvSpPr>
+          <p:cNvPr id="3" name="세로 텍스트 개체 틀 2"/>
+          <p:cNvSpPr>
+            <a:spLocks noGrp="1"/>
+          </p:cNvSpPr>
+          <p:nvPr>
+            <p:ph type="body" orient="vert" idx="1"/>
+          </p:nvPr>
+        </p:nvSpPr>
+        <p:spPr/>
+        <p:txBody>
+          <a:bodyPr vert="eaVert"/>
+          <a:lstStyle/>
+          <a:p>
+            <a:pPr lvl="0"/>
+            <a:r>
+              <a:rPr lang="ko-KR" altLang="en-US"/>
+              <a:t>마스터 텍스트 스타일 편집</a:t>
+            </a:r>
+          </a:p>
+          <a:p>
+            <a:pPr lvl="1"/>
+            <a:r>
+              <a:rPr lang="ko-KR" altLang="en-US"/>
+              <a:t>둘째 수준</a:t>
+            </a:r>
+          </a:p>
+          <a:p>
+            <a:pPr lvl="2"/>
+            <a:r>
+              <a:rPr lang="ko-KR" altLang="en-US"/>
+              <a:t>셋째 수준</a:t>
+            </a:r>
+          </a:p>
+          <a:p>
+            <a:pPr lvl="3"/>
+            <a:r>
+              <a:rPr lang="ko-KR" altLang="en-US"/>
+              <a:t>넷째 수준</a:t>
+            </a:r>
+          </a:p>
+          <a:p>
+            <a:pPr lvl="4"/>
+            <a:r>
+              <a:rPr lang="ko-KR" altLang="en-US"/>
+              <a:t>다섯째 수준</a:t>
+            </a:r>
+          </a:p>
+        </p:txBody>
+      </p:sp>
+      <p:sp>
+        <p:nvSpPr>
+          <p:cNvPr id="4" name="날짜 개체 틀 3"/>
+          <p:cNvSpPr>
+            <a:spLocks noGrp="1"/>
+          </p:cNvSpPr>
+          <p:nvPr>
+            <p:ph type="dt" sz="half" idx="10"/>
+          </p:nvPr>
+        </p:nvSpPr>
+        <p:spPr/>
+        <p:txBody>
+          <a:bodyPr/>
+          <a:lstStyle/>
+          <a:p>
+            <a:fld id="{69898C9F-80B6-4199-8B4B-2C67A245F2FE}" type="datetime1">
               <a:rPr lang="ko-KR" altLang="en-US" smtClean="0"/>
-              <a:t>마스터 제목 스타일 편집</a:t>
-            </a:r>
-            <a:endParaRPr lang="ko-KR" altLang="en-US"/>
-          </a:p>
-        </p:txBody>
-      </p:sp>
-      <p:sp>
-        <p:nvSpPr>
-          <p:cNvPr id="3" name="세로 텍스트 개체 틀 2"/>
-          <p:cNvSpPr>
-            <a:spLocks noGrp="1"/>
-          </p:cNvSpPr>
-          <p:nvPr>
-            <p:ph type="body" orient="vert" idx="1"/>
-          </p:nvPr>
-        </p:nvSpPr>
-        <p:spPr/>
-        <p:txBody>
-          <a:bodyPr vert="eaVert"/>
-          <a:lstStyle/>
-          <a:p>
-            <a:pPr lvl="0"/>
-            <a:r>
-              <a:rPr lang="ko-KR" altLang="en-US" smtClean="0"/>
-              <a:t>마스터 텍스트 스타일 편집</a:t>
-            </a:r>
-          </a:p>
-          <a:p>
-            <a:pPr lvl="1"/>
-            <a:r>
-              <a:rPr lang="ko-KR" altLang="en-US" smtClean="0"/>
-              <a:t>둘째 수준</a:t>
-            </a:r>
-          </a:p>
-          <a:p>
-            <a:pPr lvl="2"/>
-            <a:r>
-              <a:rPr lang="ko-KR" altLang="en-US" smtClean="0"/>
-              <a:t>셋째 수준</a:t>
-            </a:r>
-          </a:p>
-          <a:p>
-            <a:pPr lvl="3"/>
-            <a:r>
-              <a:rPr lang="ko-KR" altLang="en-US" smtClean="0"/>
-              <a:t>넷째 수준</a:t>
-            </a:r>
-          </a:p>
-          <a:p>
-            <a:pPr lvl="4"/>
-            <a:r>
-              <a:rPr lang="ko-KR" altLang="en-US" smtClean="0"/>
-              <a:t>다섯째 수준</a:t>
-            </a:r>
-            <a:endParaRPr lang="ko-KR" altLang="en-US"/>
-          </a:p>
-        </p:txBody>
-      </p:sp>
-      <p:sp>
-        <p:nvSpPr>
-          <p:cNvPr id="4" name="날짜 개체 틀 3"/>
-          <p:cNvSpPr>
-            <a:spLocks noGrp="1"/>
-          </p:cNvSpPr>
-          <p:nvPr>
-            <p:ph type="dt" sz="half" idx="10"/>
-          </p:nvPr>
-        </p:nvSpPr>
-        <p:spPr/>
-        <p:txBody>
-          <a:bodyPr/>
-          <a:lstStyle/>
-          <a:p>
-            <a:fld id="{9345A81A-3500-4CAA-946E-E070AAC8587E}" type="datetimeFigureOut">
-              <a:rPr lang="ko-KR" altLang="en-US" smtClean="0"/>
-              <a:t>2019-06-10</a:t>
+              <a:t>2019. 6. 11.</a:t>
             </a:fld>
             <a:endParaRPr lang="ko-KR" altLang="en-US"/>
           </a:p>
@@ -516,10 +1074,9 @@
           <a:lstStyle/>
           <a:p>
             <a:r>
-              <a:rPr lang="ko-KR" altLang="en-US" smtClean="0"/>
+              <a:rPr lang="ko-KR" altLang="en-US"/>
               <a:t>마스터 제목 스타일 편집</a:t>
             </a:r>
-            <a:endParaRPr lang="ko-KR" altLang="en-US"/>
           </a:p>
         </p:txBody>
       </p:sp>
@@ -545,59 +1102,58 @@
           <a:p>
             <a:pPr lvl="0"/>
             <a:r>
+              <a:rPr lang="ko-KR" altLang="en-US"/>
+              <a:t>마스터 텍스트 스타일 편집</a:t>
+            </a:r>
+          </a:p>
+          <a:p>
+            <a:pPr lvl="1"/>
+            <a:r>
+              <a:rPr lang="ko-KR" altLang="en-US"/>
+              <a:t>둘째 수준</a:t>
+            </a:r>
+          </a:p>
+          <a:p>
+            <a:pPr lvl="2"/>
+            <a:r>
+              <a:rPr lang="ko-KR" altLang="en-US"/>
+              <a:t>셋째 수준</a:t>
+            </a:r>
+          </a:p>
+          <a:p>
+            <a:pPr lvl="3"/>
+            <a:r>
+              <a:rPr lang="ko-KR" altLang="en-US"/>
+              <a:t>넷째 수준</a:t>
+            </a:r>
+          </a:p>
+          <a:p>
+            <a:pPr lvl="4"/>
+            <a:r>
+              <a:rPr lang="ko-KR" altLang="en-US"/>
+              <a:t>다섯째 수준</a:t>
+            </a:r>
+          </a:p>
+        </p:txBody>
+      </p:sp>
+      <p:sp>
+        <p:nvSpPr>
+          <p:cNvPr id="4" name="날짜 개체 틀 3"/>
+          <p:cNvSpPr>
+            <a:spLocks noGrp="1"/>
+          </p:cNvSpPr>
+          <p:nvPr>
+            <p:ph type="dt" sz="half" idx="10"/>
+          </p:nvPr>
+        </p:nvSpPr>
+        <p:spPr/>
+        <p:txBody>
+          <a:bodyPr/>
+          <a:lstStyle/>
+          <a:p>
+            <a:fld id="{0671DA7C-6686-40EA-A5CD-524C223CECEE}" type="datetime1">
               <a:rPr lang="ko-KR" altLang="en-US" smtClean="0"/>
-              <a:t>마스터 텍스트 스타일 편집</a:t>
-            </a:r>
-          </a:p>
-          <a:p>
-            <a:pPr lvl="1"/>
-            <a:r>
-              <a:rPr lang="ko-KR" altLang="en-US" smtClean="0"/>
-              <a:t>둘째 수준</a:t>
-            </a:r>
-          </a:p>
-          <a:p>
-            <a:pPr lvl="2"/>
-            <a:r>
-              <a:rPr lang="ko-KR" altLang="en-US" smtClean="0"/>
-              <a:t>셋째 수준</a:t>
-            </a:r>
-          </a:p>
-          <a:p>
-            <a:pPr lvl="3"/>
-            <a:r>
-              <a:rPr lang="ko-KR" altLang="en-US" smtClean="0"/>
-              <a:t>넷째 수준</a:t>
-            </a:r>
-          </a:p>
-          <a:p>
-            <a:pPr lvl="4"/>
-            <a:r>
-              <a:rPr lang="ko-KR" altLang="en-US" smtClean="0"/>
-              <a:t>다섯째 수준</a:t>
-            </a:r>
-            <a:endParaRPr lang="ko-KR" altLang="en-US"/>
-          </a:p>
-        </p:txBody>
-      </p:sp>
-      <p:sp>
-        <p:nvSpPr>
-          <p:cNvPr id="4" name="날짜 개체 틀 3"/>
-          <p:cNvSpPr>
-            <a:spLocks noGrp="1"/>
-          </p:cNvSpPr>
-          <p:nvPr>
-            <p:ph type="dt" sz="half" idx="10"/>
-          </p:nvPr>
-        </p:nvSpPr>
-        <p:spPr/>
-        <p:txBody>
-          <a:bodyPr/>
-          <a:lstStyle/>
-          <a:p>
-            <a:fld id="{9345A81A-3500-4CAA-946E-E070AAC8587E}" type="datetimeFigureOut">
-              <a:rPr lang="ko-KR" altLang="en-US" smtClean="0"/>
-              <a:t>2019-06-10</a:t>
+              <a:t>2019. 6. 11.</a:t>
             </a:fld>
             <a:endParaRPr lang="ko-KR" altLang="en-US"/>
           </a:p>
@@ -691,83 +1247,81 @@
           <a:lstStyle/>
           <a:p>
             <a:r>
+              <a:rPr lang="ko-KR" altLang="en-US"/>
+              <a:t>마스터 제목 스타일 편집</a:t>
+            </a:r>
+          </a:p>
+        </p:txBody>
+      </p:sp>
+      <p:sp>
+        <p:nvSpPr>
+          <p:cNvPr id="3" name="내용 개체 틀 2"/>
+          <p:cNvSpPr>
+            <a:spLocks noGrp="1"/>
+          </p:cNvSpPr>
+          <p:nvPr>
+            <p:ph idx="1"/>
+          </p:nvPr>
+        </p:nvSpPr>
+        <p:spPr/>
+        <p:txBody>
+          <a:bodyPr/>
+          <a:lstStyle/>
+          <a:p>
+            <a:pPr lvl="0"/>
+            <a:r>
+              <a:rPr lang="ko-KR" altLang="en-US"/>
+              <a:t>마스터 텍스트 스타일 편집</a:t>
+            </a:r>
+          </a:p>
+          <a:p>
+            <a:pPr lvl="1"/>
+            <a:r>
+              <a:rPr lang="ko-KR" altLang="en-US"/>
+              <a:t>둘째 수준</a:t>
+            </a:r>
+          </a:p>
+          <a:p>
+            <a:pPr lvl="2"/>
+            <a:r>
+              <a:rPr lang="ko-KR" altLang="en-US"/>
+              <a:t>셋째 수준</a:t>
+            </a:r>
+          </a:p>
+          <a:p>
+            <a:pPr lvl="3"/>
+            <a:r>
+              <a:rPr lang="ko-KR" altLang="en-US"/>
+              <a:t>넷째 수준</a:t>
+            </a:r>
+          </a:p>
+          <a:p>
+            <a:pPr lvl="4"/>
+            <a:r>
+              <a:rPr lang="ko-KR" altLang="en-US"/>
+              <a:t>다섯째 수준</a:t>
+            </a:r>
+          </a:p>
+        </p:txBody>
+      </p:sp>
+      <p:sp>
+        <p:nvSpPr>
+          <p:cNvPr id="4" name="날짜 개체 틀 3"/>
+          <p:cNvSpPr>
+            <a:spLocks noGrp="1"/>
+          </p:cNvSpPr>
+          <p:nvPr>
+            <p:ph type="dt" sz="half" idx="10"/>
+          </p:nvPr>
+        </p:nvSpPr>
+        <p:spPr/>
+        <p:txBody>
+          <a:bodyPr/>
+          <a:lstStyle/>
+          <a:p>
+            <a:fld id="{4E35ECCD-787D-4FDB-AF3F-313CF6F27C3C}" type="datetime1">
               <a:rPr lang="ko-KR" altLang="en-US" smtClean="0"/>
-              <a:t>마스터 제목 스타일 편집</a:t>
-            </a:r>
-            <a:endParaRPr lang="ko-KR" altLang="en-US"/>
-          </a:p>
-        </p:txBody>
-      </p:sp>
-      <p:sp>
-        <p:nvSpPr>
-          <p:cNvPr id="3" name="내용 개체 틀 2"/>
-          <p:cNvSpPr>
-            <a:spLocks noGrp="1"/>
-          </p:cNvSpPr>
-          <p:nvPr>
-            <p:ph idx="1"/>
-          </p:nvPr>
-        </p:nvSpPr>
-        <p:spPr/>
-        <p:txBody>
-          <a:bodyPr/>
-          <a:lstStyle/>
-          <a:p>
-            <a:pPr lvl="0"/>
-            <a:r>
-              <a:rPr lang="ko-KR" altLang="en-US" smtClean="0"/>
-              <a:t>마스터 텍스트 스타일 편집</a:t>
-            </a:r>
-          </a:p>
-          <a:p>
-            <a:pPr lvl="1"/>
-            <a:r>
-              <a:rPr lang="ko-KR" altLang="en-US" smtClean="0"/>
-              <a:t>둘째 수준</a:t>
-            </a:r>
-          </a:p>
-          <a:p>
-            <a:pPr lvl="2"/>
-            <a:r>
-              <a:rPr lang="ko-KR" altLang="en-US" smtClean="0"/>
-              <a:t>셋째 수준</a:t>
-            </a:r>
-          </a:p>
-          <a:p>
-            <a:pPr lvl="3"/>
-            <a:r>
-              <a:rPr lang="ko-KR" altLang="en-US" smtClean="0"/>
-              <a:t>넷째 수준</a:t>
-            </a:r>
-          </a:p>
-          <a:p>
-            <a:pPr lvl="4"/>
-            <a:r>
-              <a:rPr lang="ko-KR" altLang="en-US" smtClean="0"/>
-              <a:t>다섯째 수준</a:t>
-            </a:r>
-            <a:endParaRPr lang="ko-KR" altLang="en-US"/>
-          </a:p>
-        </p:txBody>
-      </p:sp>
-      <p:sp>
-        <p:nvSpPr>
-          <p:cNvPr id="4" name="날짜 개체 틀 3"/>
-          <p:cNvSpPr>
-            <a:spLocks noGrp="1"/>
-          </p:cNvSpPr>
-          <p:nvPr>
-            <p:ph type="dt" sz="half" idx="10"/>
-          </p:nvPr>
-        </p:nvSpPr>
-        <p:spPr/>
-        <p:txBody>
-          <a:bodyPr/>
-          <a:lstStyle/>
-          <a:p>
-            <a:fld id="{9345A81A-3500-4CAA-946E-E070AAC8587E}" type="datetimeFigureOut">
-              <a:rPr lang="ko-KR" altLang="en-US" smtClean="0"/>
-              <a:t>2019-06-10</a:t>
+              <a:t>2019. 6. 11.</a:t>
             </a:fld>
             <a:endParaRPr lang="ko-KR" altLang="en-US"/>
           </a:p>
@@ -870,10 +1424,9 @@
           </a:lstStyle>
           <a:p>
             <a:r>
-              <a:rPr lang="ko-KR" altLang="en-US" smtClean="0"/>
+              <a:rPr lang="ko-KR" altLang="en-US"/>
               <a:t>마스터 제목 스타일 편집</a:t>
             </a:r>
-            <a:endParaRPr lang="ko-KR" altLang="en-US"/>
           </a:p>
         </p:txBody>
       </p:sp>
@@ -990,30 +1543,30 @@
           <a:p>
             <a:pPr lvl="0"/>
             <a:r>
+              <a:rPr lang="ko-KR" altLang="en-US"/>
+              <a:t>마스터 텍스트 스타일 편집</a:t>
+            </a:r>
+          </a:p>
+        </p:txBody>
+      </p:sp>
+      <p:sp>
+        <p:nvSpPr>
+          <p:cNvPr id="4" name="날짜 개체 틀 3"/>
+          <p:cNvSpPr>
+            <a:spLocks noGrp="1"/>
+          </p:cNvSpPr>
+          <p:nvPr>
+            <p:ph type="dt" sz="half" idx="10"/>
+          </p:nvPr>
+        </p:nvSpPr>
+        <p:spPr/>
+        <p:txBody>
+          <a:bodyPr/>
+          <a:lstStyle/>
+          <a:p>
+            <a:fld id="{9270A02C-31EC-42A8-9A00-9BD9105025F6}" type="datetime1">
               <a:rPr lang="ko-KR" altLang="en-US" smtClean="0"/>
-              <a:t>마스터 텍스트 스타일 편집</a:t>
-            </a:r>
-          </a:p>
-        </p:txBody>
-      </p:sp>
-      <p:sp>
-        <p:nvSpPr>
-          <p:cNvPr id="4" name="날짜 개체 틀 3"/>
-          <p:cNvSpPr>
-            <a:spLocks noGrp="1"/>
-          </p:cNvSpPr>
-          <p:nvPr>
-            <p:ph type="dt" sz="half" idx="10"/>
-          </p:nvPr>
-        </p:nvSpPr>
-        <p:spPr/>
-        <p:txBody>
-          <a:bodyPr/>
-          <a:lstStyle/>
-          <a:p>
-            <a:fld id="{9345A81A-3500-4CAA-946E-E070AAC8587E}" type="datetimeFigureOut">
-              <a:rPr lang="ko-KR" altLang="en-US" smtClean="0"/>
-              <a:t>2019-06-10</a:t>
+              <a:t>2019. 6. 11.</a:t>
             </a:fld>
             <a:endParaRPr lang="ko-KR" altLang="en-US"/>
           </a:p>
@@ -1107,10 +1660,9 @@
           <a:lstStyle/>
           <a:p>
             <a:r>
-              <a:rPr lang="ko-KR" altLang="en-US" smtClean="0"/>
+              <a:rPr lang="ko-KR" altLang="en-US"/>
               <a:t>마스터 제목 스타일 편집</a:t>
             </a:r>
-            <a:endParaRPr lang="ko-KR" altLang="en-US"/>
           </a:p>
         </p:txBody>
       </p:sp>
@@ -1136,38 +1688,37 @@
           <a:p>
             <a:pPr lvl="0"/>
             <a:r>
-              <a:rPr lang="ko-KR" altLang="en-US" smtClean="0"/>
+              <a:rPr lang="ko-KR" altLang="en-US"/>
               <a:t>마스터 텍스트 스타일 편집</a:t>
             </a:r>
           </a:p>
           <a:p>
             <a:pPr lvl="1"/>
             <a:r>
-              <a:rPr lang="ko-KR" altLang="en-US" smtClean="0"/>
+              <a:rPr lang="ko-KR" altLang="en-US"/>
               <a:t>둘째 수준</a:t>
             </a:r>
           </a:p>
           <a:p>
             <a:pPr lvl="2"/>
             <a:r>
-              <a:rPr lang="ko-KR" altLang="en-US" smtClean="0"/>
+              <a:rPr lang="ko-KR" altLang="en-US"/>
               <a:t>셋째 수준</a:t>
             </a:r>
           </a:p>
           <a:p>
             <a:pPr lvl="3"/>
             <a:r>
-              <a:rPr lang="ko-KR" altLang="en-US" smtClean="0"/>
+              <a:rPr lang="ko-KR" altLang="en-US"/>
               <a:t>넷째 수준</a:t>
             </a:r>
           </a:p>
           <a:p>
             <a:pPr lvl="4"/>
             <a:r>
-              <a:rPr lang="ko-KR" altLang="en-US" smtClean="0"/>
+              <a:rPr lang="ko-KR" altLang="en-US"/>
               <a:t>다섯째 수준</a:t>
             </a:r>
-            <a:endParaRPr lang="ko-KR" altLang="en-US"/>
           </a:p>
         </p:txBody>
       </p:sp>
@@ -1193,59 +1744,58 @@
           <a:p>
             <a:pPr lvl="0"/>
             <a:r>
+              <a:rPr lang="ko-KR" altLang="en-US"/>
+              <a:t>마스터 텍스트 스타일 편집</a:t>
+            </a:r>
+          </a:p>
+          <a:p>
+            <a:pPr lvl="1"/>
+            <a:r>
+              <a:rPr lang="ko-KR" altLang="en-US"/>
+              <a:t>둘째 수준</a:t>
+            </a:r>
+          </a:p>
+          <a:p>
+            <a:pPr lvl="2"/>
+            <a:r>
+              <a:rPr lang="ko-KR" altLang="en-US"/>
+              <a:t>셋째 수준</a:t>
+            </a:r>
+          </a:p>
+          <a:p>
+            <a:pPr lvl="3"/>
+            <a:r>
+              <a:rPr lang="ko-KR" altLang="en-US"/>
+              <a:t>넷째 수준</a:t>
+            </a:r>
+          </a:p>
+          <a:p>
+            <a:pPr lvl="4"/>
+            <a:r>
+              <a:rPr lang="ko-KR" altLang="en-US"/>
+              <a:t>다섯째 수준</a:t>
+            </a:r>
+          </a:p>
+        </p:txBody>
+      </p:sp>
+      <p:sp>
+        <p:nvSpPr>
+          <p:cNvPr id="5" name="날짜 개체 틀 4"/>
+          <p:cNvSpPr>
+            <a:spLocks noGrp="1"/>
+          </p:cNvSpPr>
+          <p:nvPr>
+            <p:ph type="dt" sz="half" idx="10"/>
+          </p:nvPr>
+        </p:nvSpPr>
+        <p:spPr/>
+        <p:txBody>
+          <a:bodyPr/>
+          <a:lstStyle/>
+          <a:p>
+            <a:fld id="{9CFD48FB-E700-4496-9DD6-4AC07BBC48B6}" type="datetime1">
               <a:rPr lang="ko-KR" altLang="en-US" smtClean="0"/>
-              <a:t>마스터 텍스트 스타일 편집</a:t>
-            </a:r>
-          </a:p>
-          <a:p>
-            <a:pPr lvl="1"/>
-            <a:r>
-              <a:rPr lang="ko-KR" altLang="en-US" smtClean="0"/>
-              <a:t>둘째 수준</a:t>
-            </a:r>
-          </a:p>
-          <a:p>
-            <a:pPr lvl="2"/>
-            <a:r>
-              <a:rPr lang="ko-KR" altLang="en-US" smtClean="0"/>
-              <a:t>셋째 수준</a:t>
-            </a:r>
-          </a:p>
-          <a:p>
-            <a:pPr lvl="3"/>
-            <a:r>
-              <a:rPr lang="ko-KR" altLang="en-US" smtClean="0"/>
-              <a:t>넷째 수준</a:t>
-            </a:r>
-          </a:p>
-          <a:p>
-            <a:pPr lvl="4"/>
-            <a:r>
-              <a:rPr lang="ko-KR" altLang="en-US" smtClean="0"/>
-              <a:t>다섯째 수준</a:t>
-            </a:r>
-            <a:endParaRPr lang="ko-KR" altLang="en-US"/>
-          </a:p>
-        </p:txBody>
-      </p:sp>
-      <p:sp>
-        <p:nvSpPr>
-          <p:cNvPr id="5" name="날짜 개체 틀 4"/>
-          <p:cNvSpPr>
-            <a:spLocks noGrp="1"/>
-          </p:cNvSpPr>
-          <p:nvPr>
-            <p:ph type="dt" sz="half" idx="10"/>
-          </p:nvPr>
-        </p:nvSpPr>
-        <p:spPr/>
-        <p:txBody>
-          <a:bodyPr/>
-          <a:lstStyle/>
-          <a:p>
-            <a:fld id="{9345A81A-3500-4CAA-946E-E070AAC8587E}" type="datetimeFigureOut">
-              <a:rPr lang="ko-KR" altLang="en-US" smtClean="0"/>
-              <a:t>2019-06-10</a:t>
+              <a:t>2019. 6. 11.</a:t>
             </a:fld>
             <a:endParaRPr lang="ko-KR" altLang="en-US"/>
           </a:p>
@@ -1344,10 +1894,9 @@
           <a:lstStyle/>
           <a:p>
             <a:r>
-              <a:rPr lang="ko-KR" altLang="en-US" smtClean="0"/>
+              <a:rPr lang="ko-KR" altLang="en-US"/>
               <a:t>마스터 제목 스타일 편집</a:t>
             </a:r>
-            <a:endParaRPr lang="ko-KR" altLang="en-US"/>
           </a:p>
         </p:txBody>
       </p:sp>
@@ -1410,7 +1959,7 @@
           <a:p>
             <a:pPr lvl="0"/>
             <a:r>
-              <a:rPr lang="ko-KR" altLang="en-US" smtClean="0"/>
+              <a:rPr lang="ko-KR" altLang="en-US"/>
               <a:t>마스터 텍스트 스타일 편집</a:t>
             </a:r>
           </a:p>
@@ -1438,38 +1987,37 @@
           <a:p>
             <a:pPr lvl="0"/>
             <a:r>
-              <a:rPr lang="ko-KR" altLang="en-US" smtClean="0"/>
+              <a:rPr lang="ko-KR" altLang="en-US"/>
               <a:t>마스터 텍스트 스타일 편집</a:t>
             </a:r>
           </a:p>
           <a:p>
             <a:pPr lvl="1"/>
             <a:r>
-              <a:rPr lang="ko-KR" altLang="en-US" smtClean="0"/>
+              <a:rPr lang="ko-KR" altLang="en-US"/>
               <a:t>둘째 수준</a:t>
             </a:r>
           </a:p>
           <a:p>
             <a:pPr lvl="2"/>
             <a:r>
-              <a:rPr lang="ko-KR" altLang="en-US" smtClean="0"/>
+              <a:rPr lang="ko-KR" altLang="en-US"/>
               <a:t>셋째 수준</a:t>
             </a:r>
           </a:p>
           <a:p>
             <a:pPr lvl="3"/>
             <a:r>
-              <a:rPr lang="ko-KR" altLang="en-US" smtClean="0"/>
+              <a:rPr lang="ko-KR" altLang="en-US"/>
               <a:t>넷째 수준</a:t>
             </a:r>
           </a:p>
           <a:p>
             <a:pPr lvl="4"/>
             <a:r>
-              <a:rPr lang="ko-KR" altLang="en-US" smtClean="0"/>
+              <a:rPr lang="ko-KR" altLang="en-US"/>
               <a:t>다섯째 수준</a:t>
             </a:r>
-            <a:endParaRPr lang="ko-KR" altLang="en-US"/>
           </a:p>
         </p:txBody>
       </p:sp>
@@ -1532,7 +2080,7 @@
           <a:p>
             <a:pPr lvl="0"/>
             <a:r>
-              <a:rPr lang="ko-KR" altLang="en-US" smtClean="0"/>
+              <a:rPr lang="ko-KR" altLang="en-US"/>
               <a:t>마스터 텍스트 스타일 편집</a:t>
             </a:r>
           </a:p>
@@ -1560,59 +2108,58 @@
           <a:p>
             <a:pPr lvl="0"/>
             <a:r>
+              <a:rPr lang="ko-KR" altLang="en-US"/>
+              <a:t>마스터 텍스트 스타일 편집</a:t>
+            </a:r>
+          </a:p>
+          <a:p>
+            <a:pPr lvl="1"/>
+            <a:r>
+              <a:rPr lang="ko-KR" altLang="en-US"/>
+              <a:t>둘째 수준</a:t>
+            </a:r>
+          </a:p>
+          <a:p>
+            <a:pPr lvl="2"/>
+            <a:r>
+              <a:rPr lang="ko-KR" altLang="en-US"/>
+              <a:t>셋째 수준</a:t>
+            </a:r>
+          </a:p>
+          <a:p>
+            <a:pPr lvl="3"/>
+            <a:r>
+              <a:rPr lang="ko-KR" altLang="en-US"/>
+              <a:t>넷째 수준</a:t>
+            </a:r>
+          </a:p>
+          <a:p>
+            <a:pPr lvl="4"/>
+            <a:r>
+              <a:rPr lang="ko-KR" altLang="en-US"/>
+              <a:t>다섯째 수준</a:t>
+            </a:r>
+          </a:p>
+        </p:txBody>
+      </p:sp>
+      <p:sp>
+        <p:nvSpPr>
+          <p:cNvPr id="7" name="날짜 개체 틀 6"/>
+          <p:cNvSpPr>
+            <a:spLocks noGrp="1"/>
+          </p:cNvSpPr>
+          <p:nvPr>
+            <p:ph type="dt" sz="half" idx="10"/>
+          </p:nvPr>
+        </p:nvSpPr>
+        <p:spPr/>
+        <p:txBody>
+          <a:bodyPr/>
+          <a:lstStyle/>
+          <a:p>
+            <a:fld id="{44559626-2A6A-4B21-9CE8-EF40C1C6831B}" type="datetime1">
               <a:rPr lang="ko-KR" altLang="en-US" smtClean="0"/>
-              <a:t>마스터 텍스트 스타일 편집</a:t>
-            </a:r>
-          </a:p>
-          <a:p>
-            <a:pPr lvl="1"/>
-            <a:r>
-              <a:rPr lang="ko-KR" altLang="en-US" smtClean="0"/>
-              <a:t>둘째 수준</a:t>
-            </a:r>
-          </a:p>
-          <a:p>
-            <a:pPr lvl="2"/>
-            <a:r>
-              <a:rPr lang="ko-KR" altLang="en-US" smtClean="0"/>
-              <a:t>셋째 수준</a:t>
-            </a:r>
-          </a:p>
-          <a:p>
-            <a:pPr lvl="3"/>
-            <a:r>
-              <a:rPr lang="ko-KR" altLang="en-US" smtClean="0"/>
-              <a:t>넷째 수준</a:t>
-            </a:r>
-          </a:p>
-          <a:p>
-            <a:pPr lvl="4"/>
-            <a:r>
-              <a:rPr lang="ko-KR" altLang="en-US" smtClean="0"/>
-              <a:t>다섯째 수준</a:t>
-            </a:r>
-            <a:endParaRPr lang="ko-KR" altLang="en-US"/>
-          </a:p>
-        </p:txBody>
-      </p:sp>
-      <p:sp>
-        <p:nvSpPr>
-          <p:cNvPr id="7" name="날짜 개체 틀 6"/>
-          <p:cNvSpPr>
-            <a:spLocks noGrp="1"/>
-          </p:cNvSpPr>
-          <p:nvPr>
-            <p:ph type="dt" sz="half" idx="10"/>
-          </p:nvPr>
-        </p:nvSpPr>
-        <p:spPr/>
-        <p:txBody>
-          <a:bodyPr/>
-          <a:lstStyle/>
-          <a:p>
-            <a:fld id="{9345A81A-3500-4CAA-946E-E070AAC8587E}" type="datetimeFigureOut">
-              <a:rPr lang="ko-KR" altLang="en-US" smtClean="0"/>
-              <a:t>2019-06-10</a:t>
+              <a:t>2019. 6. 11.</a:t>
             </a:fld>
             <a:endParaRPr lang="ko-KR" altLang="en-US"/>
           </a:p>
@@ -1706,31 +2253,30 @@
           <a:lstStyle/>
           <a:p>
             <a:r>
+              <a:rPr lang="ko-KR" altLang="en-US"/>
+              <a:t>마스터 제목 스타일 편집</a:t>
+            </a:r>
+          </a:p>
+        </p:txBody>
+      </p:sp>
+      <p:sp>
+        <p:nvSpPr>
+          <p:cNvPr id="3" name="날짜 개체 틀 2"/>
+          <p:cNvSpPr>
+            <a:spLocks noGrp="1"/>
+          </p:cNvSpPr>
+          <p:nvPr>
+            <p:ph type="dt" sz="half" idx="10"/>
+          </p:nvPr>
+        </p:nvSpPr>
+        <p:spPr/>
+        <p:txBody>
+          <a:bodyPr/>
+          <a:lstStyle/>
+          <a:p>
+            <a:fld id="{F31DC154-2B93-405B-A83A-088C2C1EB154}" type="datetime1">
               <a:rPr lang="ko-KR" altLang="en-US" smtClean="0"/>
-              <a:t>마스터 제목 스타일 편집</a:t>
-            </a:r>
-            <a:endParaRPr lang="ko-KR" altLang="en-US"/>
-          </a:p>
-        </p:txBody>
-      </p:sp>
-      <p:sp>
-        <p:nvSpPr>
-          <p:cNvPr id="3" name="날짜 개체 틀 2"/>
-          <p:cNvSpPr>
-            <a:spLocks noGrp="1"/>
-          </p:cNvSpPr>
-          <p:nvPr>
-            <p:ph type="dt" sz="half" idx="10"/>
-          </p:nvPr>
-        </p:nvSpPr>
-        <p:spPr/>
-        <p:txBody>
-          <a:bodyPr/>
-          <a:lstStyle/>
-          <a:p>
-            <a:fld id="{9345A81A-3500-4CAA-946E-E070AAC8587E}" type="datetimeFigureOut">
-              <a:rPr lang="ko-KR" altLang="en-US" smtClean="0"/>
-              <a:t>2019-06-10</a:t>
+              <a:t>2019. 6. 11.</a:t>
             </a:fld>
             <a:endParaRPr lang="ko-KR" altLang="en-US"/>
           </a:p>
@@ -1823,9 +2369,9 @@
           <a:bodyPr/>
           <a:lstStyle/>
           <a:p>
-            <a:fld id="{9345A81A-3500-4CAA-946E-E070AAC8587E}" type="datetimeFigureOut">
+            <a:fld id="{2F6DE4D0-48A3-4BFF-882E-7F9BEEDCB133}" type="datetime1">
               <a:rPr lang="ko-KR" altLang="en-US" smtClean="0"/>
-              <a:t>2019-06-10</a:t>
+              <a:t>2019. 6. 11.</a:t>
             </a:fld>
             <a:endParaRPr lang="ko-KR" altLang="en-US"/>
           </a:p>
@@ -1928,10 +2474,9 @@
           </a:lstStyle>
           <a:p>
             <a:r>
-              <a:rPr lang="ko-KR" altLang="en-US" smtClean="0"/>
+              <a:rPr lang="ko-KR" altLang="en-US"/>
               <a:t>마스터 제목 스타일 편집</a:t>
             </a:r>
-            <a:endParaRPr lang="ko-KR" altLang="en-US"/>
           </a:p>
         </p:txBody>
       </p:sp>
@@ -1985,38 +2530,37 @@
           <a:p>
             <a:pPr lvl="0"/>
             <a:r>
-              <a:rPr lang="ko-KR" altLang="en-US" smtClean="0"/>
+              <a:rPr lang="ko-KR" altLang="en-US"/>
               <a:t>마스터 텍스트 스타일 편집</a:t>
             </a:r>
           </a:p>
           <a:p>
             <a:pPr lvl="1"/>
             <a:r>
-              <a:rPr lang="ko-KR" altLang="en-US" smtClean="0"/>
+              <a:rPr lang="ko-KR" altLang="en-US"/>
               <a:t>둘째 수준</a:t>
             </a:r>
           </a:p>
           <a:p>
             <a:pPr lvl="2"/>
             <a:r>
-              <a:rPr lang="ko-KR" altLang="en-US" smtClean="0"/>
+              <a:rPr lang="ko-KR" altLang="en-US"/>
               <a:t>셋째 수준</a:t>
             </a:r>
           </a:p>
           <a:p>
             <a:pPr lvl="3"/>
             <a:r>
-              <a:rPr lang="ko-KR" altLang="en-US" smtClean="0"/>
+              <a:rPr lang="ko-KR" altLang="en-US"/>
               <a:t>넷째 수준</a:t>
             </a:r>
           </a:p>
           <a:p>
             <a:pPr lvl="4"/>
             <a:r>
-              <a:rPr lang="ko-KR" altLang="en-US" smtClean="0"/>
+              <a:rPr lang="ko-KR" altLang="en-US"/>
               <a:t>다섯째 수준</a:t>
             </a:r>
-            <a:endParaRPr lang="ko-KR" altLang="en-US"/>
           </a:p>
         </p:txBody>
       </p:sp>
@@ -2079,30 +2623,30 @@
           <a:p>
             <a:pPr lvl="0"/>
             <a:r>
+              <a:rPr lang="ko-KR" altLang="en-US"/>
+              <a:t>마스터 텍스트 스타일 편집</a:t>
+            </a:r>
+          </a:p>
+        </p:txBody>
+      </p:sp>
+      <p:sp>
+        <p:nvSpPr>
+          <p:cNvPr id="5" name="날짜 개체 틀 4"/>
+          <p:cNvSpPr>
+            <a:spLocks noGrp="1"/>
+          </p:cNvSpPr>
+          <p:nvPr>
+            <p:ph type="dt" sz="half" idx="10"/>
+          </p:nvPr>
+        </p:nvSpPr>
+        <p:spPr/>
+        <p:txBody>
+          <a:bodyPr/>
+          <a:lstStyle/>
+          <a:p>
+            <a:fld id="{773AB7EF-D4BE-4E02-A42E-C68095CE2E28}" type="datetime1">
               <a:rPr lang="ko-KR" altLang="en-US" smtClean="0"/>
-              <a:t>마스터 텍스트 스타일 편집</a:t>
-            </a:r>
-          </a:p>
-        </p:txBody>
-      </p:sp>
-      <p:sp>
-        <p:nvSpPr>
-          <p:cNvPr id="5" name="날짜 개체 틀 4"/>
-          <p:cNvSpPr>
-            <a:spLocks noGrp="1"/>
-          </p:cNvSpPr>
-          <p:nvPr>
-            <p:ph type="dt" sz="half" idx="10"/>
-          </p:nvPr>
-        </p:nvSpPr>
-        <p:spPr/>
-        <p:txBody>
-          <a:bodyPr/>
-          <a:lstStyle/>
-          <a:p>
-            <a:fld id="{9345A81A-3500-4CAA-946E-E070AAC8587E}" type="datetimeFigureOut">
-              <a:rPr lang="ko-KR" altLang="en-US" smtClean="0"/>
-              <a:t>2019-06-10</a:t>
+              <a:t>2019. 6. 11.</a:t>
             </a:fld>
             <a:endParaRPr lang="ko-KR" altLang="en-US"/>
           </a:p>
@@ -2205,10 +2749,9 @@
           </a:lstStyle>
           <a:p>
             <a:r>
-              <a:rPr lang="ko-KR" altLang="en-US" smtClean="0"/>
+              <a:rPr lang="ko-KR" altLang="en-US"/>
               <a:t>마스터 제목 스타일 편집</a:t>
             </a:r>
-            <a:endParaRPr lang="ko-KR" altLang="en-US"/>
           </a:p>
         </p:txBody>
       </p:sp>
@@ -2332,30 +2875,30 @@
           <a:p>
             <a:pPr lvl="0"/>
             <a:r>
+              <a:rPr lang="ko-KR" altLang="en-US"/>
+              <a:t>마스터 텍스트 스타일 편집</a:t>
+            </a:r>
+          </a:p>
+        </p:txBody>
+      </p:sp>
+      <p:sp>
+        <p:nvSpPr>
+          <p:cNvPr id="5" name="날짜 개체 틀 4"/>
+          <p:cNvSpPr>
+            <a:spLocks noGrp="1"/>
+          </p:cNvSpPr>
+          <p:nvPr>
+            <p:ph type="dt" sz="half" idx="10"/>
+          </p:nvPr>
+        </p:nvSpPr>
+        <p:spPr/>
+        <p:txBody>
+          <a:bodyPr/>
+          <a:lstStyle/>
+          <a:p>
+            <a:fld id="{AFC678F3-61F3-4F85-86CA-548B9429177F}" type="datetime1">
               <a:rPr lang="ko-KR" altLang="en-US" smtClean="0"/>
-              <a:t>마스터 텍스트 스타일 편집</a:t>
-            </a:r>
-          </a:p>
-        </p:txBody>
-      </p:sp>
-      <p:sp>
-        <p:nvSpPr>
-          <p:cNvPr id="5" name="날짜 개체 틀 4"/>
-          <p:cNvSpPr>
-            <a:spLocks noGrp="1"/>
-          </p:cNvSpPr>
-          <p:nvPr>
-            <p:ph type="dt" sz="half" idx="10"/>
-          </p:nvPr>
-        </p:nvSpPr>
-        <p:spPr/>
-        <p:txBody>
-          <a:bodyPr/>
-          <a:lstStyle/>
-          <a:p>
-            <a:fld id="{9345A81A-3500-4CAA-946E-E070AAC8587E}" type="datetimeFigureOut">
-              <a:rPr lang="ko-KR" altLang="en-US" smtClean="0"/>
-              <a:t>2019-06-10</a:t>
+              <a:t>2019. 6. 11.</a:t>
             </a:fld>
             <a:endParaRPr lang="ko-KR" altLang="en-US"/>
           </a:p>
@@ -2464,10 +3007,9 @@
           <a:lstStyle/>
           <a:p>
             <a:r>
-              <a:rPr lang="ko-KR" altLang="en-US" smtClean="0"/>
+              <a:rPr lang="ko-KR" altLang="en-US"/>
               <a:t>마스터 제목 스타일 편집</a:t>
             </a:r>
-            <a:endParaRPr lang="ko-KR" altLang="en-US"/>
           </a:p>
         </p:txBody>
       </p:sp>
@@ -2498,38 +3040,37 @@
           <a:p>
             <a:pPr lvl="0"/>
             <a:r>
-              <a:rPr lang="ko-KR" altLang="en-US" smtClean="0"/>
+              <a:rPr lang="ko-KR" altLang="en-US"/>
               <a:t>마스터 텍스트 스타일 편집</a:t>
             </a:r>
           </a:p>
           <a:p>
             <a:pPr lvl="1"/>
             <a:r>
-              <a:rPr lang="ko-KR" altLang="en-US" smtClean="0"/>
+              <a:rPr lang="ko-KR" altLang="en-US"/>
               <a:t>둘째 수준</a:t>
             </a:r>
           </a:p>
           <a:p>
             <a:pPr lvl="2"/>
             <a:r>
-              <a:rPr lang="ko-KR" altLang="en-US" smtClean="0"/>
+              <a:rPr lang="ko-KR" altLang="en-US"/>
               <a:t>셋째 수준</a:t>
             </a:r>
           </a:p>
           <a:p>
             <a:pPr lvl="3"/>
             <a:r>
-              <a:rPr lang="ko-KR" altLang="en-US" smtClean="0"/>
+              <a:rPr lang="ko-KR" altLang="en-US"/>
               <a:t>넷째 수준</a:t>
             </a:r>
           </a:p>
           <a:p>
             <a:pPr lvl="4"/>
             <a:r>
-              <a:rPr lang="ko-KR" altLang="en-US" smtClean="0"/>
+              <a:rPr lang="ko-KR" altLang="en-US"/>
               <a:t>다섯째 수준</a:t>
             </a:r>
-            <a:endParaRPr lang="ko-KR" altLang="en-US"/>
           </a:p>
         </p:txBody>
       </p:sp>
@@ -2566,9 +3107,9 @@
             </a:lvl1pPr>
           </a:lstStyle>
           <a:p>
-            <a:fld id="{9345A81A-3500-4CAA-946E-E070AAC8587E}" type="datetimeFigureOut">
+            <a:fld id="{49BDAB8B-1285-4B8C-9779-D955DD0DE0A9}" type="datetime1">
               <a:rPr lang="ko-KR" altLang="en-US" smtClean="0"/>
-              <a:t>2019-06-10</a:t>
+              <a:t>2019. 6. 11.</a:t>
             </a:fld>
             <a:endParaRPr lang="ko-KR" altLang="en-US"/>
           </a:p>
@@ -2673,6 +3214,7 @@
     <p:sldLayoutId id="2147483658" r:id="rId10"/>
     <p:sldLayoutId id="2147483659" r:id="rId11"/>
   </p:sldLayoutIdLst>
+  <p:hf hdr="0" ftr="0" dt="0"/>
   <p:txStyles>
     <p:titleStyle>
       <a:lvl1pPr algn="l" defTabSz="914400" rtl="0" eaLnBrk="1" latinLnBrk="1" hangingPunct="1">
@@ -2986,7 +3528,7 @@
         <p:spPr>
           <a:xfrm>
             <a:off x="1524000" y="191193"/>
-            <a:ext cx="9144000" cy="3358342"/>
+            <a:ext cx="9144000" cy="1074189"/>
           </a:xfrm>
         </p:spPr>
         <p:txBody>
@@ -2996,14 +3538,9 @@
           <a:lstStyle/>
           <a:p>
             <a:r>
-              <a:rPr lang="ko-KR" altLang="en-US" dirty="0" smtClean="0"/>
-              <a:t>오픈소스 </a:t>
-            </a:r>
-            <a:r>
-              <a:rPr lang="en-US" altLang="ko-KR" dirty="0" smtClean="0"/>
-              <a:t>SW</a:t>
-            </a:r>
-            <a:endParaRPr lang="ko-KR" altLang="en-US" dirty="0"/>
+              <a:rPr lang="ko-KR" altLang="en-US" dirty="0"/>
+              <a:t>내 주변 대피소 찾기</a:t>
+            </a:r>
           </a:p>
         </p:txBody>
       </p:sp>
@@ -3019,65 +3556,239 @@
         </p:nvSpPr>
         <p:spPr>
           <a:xfrm>
-            <a:off x="9207731" y="5123267"/>
-            <a:ext cx="2920538" cy="1655762"/>
+            <a:off x="9258300" y="3520440"/>
+            <a:ext cx="2869969" cy="2694492"/>
           </a:xfrm>
         </p:spPr>
         <p:txBody>
           <a:bodyPr>
-            <a:normAutofit fontScale="92500" lnSpcReduction="10000"/>
+            <a:noAutofit/>
           </a:bodyPr>
           <a:lstStyle/>
           <a:p>
-            <a:pPr algn="r"/>
-            <a:r>
-              <a:rPr lang="en-US" altLang="ko-KR" dirty="0" smtClean="0"/>
+            <a:pPr marL="342900" indent="-342900" algn="l">
+              <a:buFont typeface="Wingdings" pitchFamily="2" charset="2"/>
+              <a:buChar char="v"/>
+            </a:pPr>
+            <a:r>
+              <a:rPr lang="ko-KR" altLang="en-US" dirty="0" err="1"/>
+              <a:t>팀명</a:t>
+            </a:r>
+            <a:endParaRPr lang="en-US" altLang="ko-KR" dirty="0"/>
+          </a:p>
+          <a:p>
+            <a:pPr algn="l"/>
+            <a:r>
+              <a:rPr lang="en-US" altLang="ko-KR" dirty="0"/>
+              <a:t>-</a:t>
+            </a:r>
+            <a:r>
+              <a:rPr lang="ko-KR" altLang="en-US" dirty="0"/>
+              <a:t> </a:t>
+            </a:r>
+            <a:r>
+              <a:rPr lang="ko-KR" altLang="en-US" sz="2000" dirty="0" err="1"/>
+              <a:t>김성민조</a:t>
+            </a:r>
+            <a:endParaRPr lang="en-US" altLang="ko-KR" sz="2000" dirty="0"/>
+          </a:p>
+          <a:p>
+            <a:pPr marL="342900" indent="-342900" algn="l">
+              <a:buFont typeface="Wingdings" pitchFamily="2" charset="2"/>
+              <a:buChar char="v"/>
+            </a:pPr>
+            <a:r>
+              <a:rPr lang="ko-KR" altLang="en-US" dirty="0"/>
+              <a:t>팀원</a:t>
+            </a:r>
+            <a:endParaRPr lang="en-US" altLang="ko-KR" dirty="0"/>
+          </a:p>
+          <a:p>
+            <a:pPr algn="l"/>
+            <a:r>
+              <a:rPr lang="en-US" altLang="ko-KR" sz="2000" dirty="0"/>
+              <a:t>-</a:t>
+            </a:r>
+            <a:r>
+              <a:rPr lang="ko-KR" altLang="en-US" sz="2000" dirty="0"/>
+              <a:t> </a:t>
+            </a:r>
+            <a:r>
+              <a:rPr lang="en-US" altLang="ko-KR" sz="2000" dirty="0"/>
               <a:t>2015244055 </a:t>
             </a:r>
             <a:r>
-              <a:rPr lang="ko-KR" altLang="en-US" dirty="0" smtClean="0"/>
+              <a:rPr lang="ko-KR" altLang="en-US" sz="2000" dirty="0"/>
               <a:t>김성민</a:t>
             </a:r>
-            <a:endParaRPr lang="en-US" altLang="ko-KR" dirty="0" smtClean="0"/>
-          </a:p>
-          <a:p>
-            <a:pPr algn="r"/>
-            <a:r>
-              <a:rPr lang="en-US" altLang="ko-KR" dirty="0" smtClean="0"/>
+            <a:endParaRPr lang="en-US" altLang="ko-KR" sz="2000" dirty="0"/>
+          </a:p>
+          <a:p>
+            <a:pPr algn="l"/>
+            <a:r>
+              <a:rPr lang="en-US" altLang="ko-KR" sz="2000" dirty="0"/>
+              <a:t>-</a:t>
+            </a:r>
+            <a:r>
+              <a:rPr lang="ko-KR" altLang="en-US" sz="2000" dirty="0"/>
+              <a:t> </a:t>
+            </a:r>
+            <a:r>
+              <a:rPr lang="en-US" altLang="ko-KR" sz="2000" dirty="0"/>
               <a:t>2015244041 </a:t>
             </a:r>
             <a:r>
-              <a:rPr lang="ko-KR" altLang="en-US" dirty="0" err="1" smtClean="0"/>
+              <a:rPr lang="ko-KR" altLang="en-US" sz="2000" dirty="0" err="1"/>
               <a:t>이한별</a:t>
             </a:r>
-            <a:endParaRPr lang="en-US" altLang="ko-KR" dirty="0" smtClean="0"/>
-          </a:p>
-          <a:p>
-            <a:pPr algn="r"/>
-            <a:r>
-              <a:rPr lang="en-US" altLang="ko-KR" dirty="0" smtClean="0"/>
+            <a:endParaRPr lang="en-US" altLang="ko-KR" sz="2000" dirty="0"/>
+          </a:p>
+          <a:p>
+            <a:pPr algn="l"/>
+            <a:r>
+              <a:rPr lang="en-US" altLang="ko-KR" sz="2000" dirty="0"/>
+              <a:t>-</a:t>
+            </a:r>
+            <a:r>
+              <a:rPr lang="ko-KR" altLang="en-US" sz="2000" dirty="0"/>
+              <a:t> </a:t>
+            </a:r>
+            <a:r>
+              <a:rPr lang="en-US" altLang="ko-KR" sz="2000" dirty="0"/>
               <a:t>2015244071 </a:t>
             </a:r>
             <a:r>
-              <a:rPr lang="ko-KR" altLang="en-US" dirty="0" err="1" smtClean="0"/>
+              <a:rPr lang="ko-KR" altLang="en-US" sz="2000" dirty="0" err="1"/>
               <a:t>주호승</a:t>
             </a:r>
-            <a:endParaRPr lang="en-US" altLang="ko-KR" dirty="0" smtClean="0"/>
-          </a:p>
-          <a:p>
-            <a:pPr algn="r"/>
-            <a:r>
-              <a:rPr lang="en-US" altLang="ko-KR" dirty="0" smtClean="0"/>
+            <a:endParaRPr lang="en-US" altLang="ko-KR" sz="2000" dirty="0"/>
+          </a:p>
+          <a:p>
+            <a:pPr algn="l"/>
+            <a:r>
+              <a:rPr lang="en-US" altLang="ko-KR" sz="2000" dirty="0"/>
+              <a:t>-</a:t>
+            </a:r>
+            <a:r>
+              <a:rPr lang="ko-KR" altLang="en-US" sz="2000" dirty="0"/>
+              <a:t> </a:t>
+            </a:r>
+            <a:r>
+              <a:rPr lang="en-US" altLang="ko-KR" sz="2000" dirty="0"/>
               <a:t>2015244062 </a:t>
             </a:r>
             <a:r>
-              <a:rPr lang="ko-KR" altLang="en-US" dirty="0" smtClean="0"/>
+              <a:rPr lang="ko-KR" altLang="en-US" sz="2000" dirty="0"/>
               <a:t>최준혁</a:t>
             </a:r>
-            <a:endParaRPr lang="en-US" altLang="ko-KR" dirty="0" smtClean="0"/>
-          </a:p>
-        </p:txBody>
-      </p:sp>
+            <a:endParaRPr lang="en-US" altLang="ko-KR" sz="2000" dirty="0"/>
+          </a:p>
+        </p:txBody>
+      </p:sp>
+      <p:sp>
+        <p:nvSpPr>
+          <p:cNvPr id="6" name="슬라이드 번호 개체 틀 5">
+            <a:extLst>
+              <a:ext uri="{FF2B5EF4-FFF2-40B4-BE49-F238E27FC236}">
+                <a16:creationId xmlns:a16="http://schemas.microsoft.com/office/drawing/2014/main" id="{72AC29BB-77E4-4BDC-A0D3-BB0695A99E4E}"/>
+              </a:ext>
+            </a:extLst>
+          </p:cNvPr>
+          <p:cNvSpPr>
+            <a:spLocks noGrp="1"/>
+          </p:cNvSpPr>
+          <p:nvPr>
+            <p:ph type="sldNum" sz="quarter" idx="12"/>
+          </p:nvPr>
+        </p:nvSpPr>
+        <p:spPr/>
+        <p:txBody>
+          <a:bodyPr/>
+          <a:lstStyle/>
+          <a:p>
+            <a:fld id="{C246202D-E836-4A02-B0E2-2810C1AC2418}" type="slidenum">
+              <a:rPr lang="ko-KR" altLang="en-US" smtClean="0"/>
+              <a:t>1</a:t>
+            </a:fld>
+            <a:endParaRPr lang="ko-KR" altLang="en-US" dirty="0"/>
+          </a:p>
+        </p:txBody>
+      </p:sp>
+      <p:pic>
+        <p:nvPicPr>
+          <p:cNvPr id="5" name="그림 4">
+            <a:extLst>
+              <a:ext uri="{FF2B5EF4-FFF2-40B4-BE49-F238E27FC236}">
+                <a16:creationId xmlns:a16="http://schemas.microsoft.com/office/drawing/2014/main" id="{04101E9B-AAAC-9241-91E0-C9063E6CCAE7}"/>
+              </a:ext>
+            </a:extLst>
+          </p:cNvPr>
+          <p:cNvPicPr>
+            <a:picLocks noChangeAspect="1"/>
+          </p:cNvPicPr>
+          <p:nvPr/>
+        </p:nvPicPr>
+        <p:blipFill>
+          <a:blip r:embed="rId2">
+            <a:extLst>
+              <a:ext uri="{28A0092B-C50C-407E-A947-70E740481C1C}">
+                <a14:useLocalDpi xmlns:a14="http://schemas.microsoft.com/office/drawing/2010/main" val="0"/>
+              </a:ext>
+            </a:extLst>
+          </a:blip>
+          <a:stretch>
+            <a:fillRect/>
+          </a:stretch>
+        </p:blipFill>
+        <p:spPr>
+          <a:xfrm>
+            <a:off x="838200" y="3615430"/>
+            <a:ext cx="3649447" cy="2923482"/>
+          </a:xfrm>
+          <a:prstGeom prst="rect">
+            <a:avLst/>
+          </a:prstGeom>
+        </p:spPr>
+      </p:pic>
+      <p:pic>
+        <p:nvPicPr>
+          <p:cNvPr id="8" name="그래픽 7" descr="달리기">
+            <a:extLst>
+              <a:ext uri="{FF2B5EF4-FFF2-40B4-BE49-F238E27FC236}">
+                <a16:creationId xmlns:a16="http://schemas.microsoft.com/office/drawing/2014/main" id="{744DC00D-6840-7F40-8534-145F26F4D1D4}"/>
+              </a:ext>
+            </a:extLst>
+          </p:cNvPr>
+          <p:cNvPicPr>
+            <a:picLocks noChangeAspect="1"/>
+          </p:cNvPicPr>
+          <p:nvPr/>
+        </p:nvPicPr>
+        <p:blipFill>
+          <a:blip r:embed="rId3">
+            <a:extLst>
+              <a:ext uri="{28A0092B-C50C-407E-A947-70E740481C1C}">
+                <a14:useLocalDpi xmlns:a14="http://schemas.microsoft.com/office/drawing/2010/main" val="0"/>
+              </a:ext>
+              <a:ext uri="{96DAC541-7B7A-43D3-8B79-37D633B846F1}">
+                <asvg:svgBlip xmlns:asvg="http://schemas.microsoft.com/office/drawing/2016/SVG/main" r:embed="rId4"/>
+              </a:ext>
+            </a:extLst>
+          </a:blip>
+          <a:stretch>
+            <a:fillRect/>
+          </a:stretch>
+        </p:blipFill>
+        <p:spPr>
+          <a:xfrm>
+            <a:off x="244398" y="4691062"/>
+            <a:ext cx="1847850" cy="1847850"/>
+          </a:xfrm>
+          <a:prstGeom prst="rect">
+            <a:avLst/>
+          </a:prstGeom>
+        </p:spPr>
+      </p:pic>
     </p:spTree>
     <p:extLst>
       <p:ext uri="{BB962C8B-B14F-4D97-AF65-F5344CB8AC3E}">
@@ -3120,8 +3831,8 @@
         </p:nvSpPr>
         <p:spPr>
           <a:xfrm>
-            <a:off x="838200" y="365125"/>
-            <a:ext cx="10515600" cy="5894359"/>
+            <a:off x="3554730" y="2053763"/>
+            <a:ext cx="5082540" cy="2750474"/>
           </a:xfrm>
         </p:spPr>
         <p:txBody>
@@ -3132,14 +3843,43 @@
           <a:p>
             <a:pPr algn="ctr"/>
             <a:r>
-              <a:rPr lang="ko-KR" altLang="en-US" sz="10000" dirty="0" smtClean="0"/>
+              <a:rPr lang="ko-KR" altLang="en-US" dirty="0"/>
               <a:t>감사합니다</a:t>
             </a:r>
             <a:r>
-              <a:rPr lang="en-US" altLang="ko-KR" sz="10000" dirty="0" smtClean="0"/>
+              <a:rPr lang="en-US" altLang="ko-KR" dirty="0"/>
               <a:t>.</a:t>
             </a:r>
-            <a:endParaRPr lang="ko-KR" altLang="en-US" sz="10000" dirty="0"/>
+            <a:endParaRPr lang="ko-KR" altLang="en-US" dirty="0"/>
+          </a:p>
+        </p:txBody>
+      </p:sp>
+      <p:sp>
+        <p:nvSpPr>
+          <p:cNvPr id="5" name="슬라이드 번호 개체 틀 4">
+            <a:extLst>
+              <a:ext uri="{FF2B5EF4-FFF2-40B4-BE49-F238E27FC236}">
+                <a16:creationId xmlns:a16="http://schemas.microsoft.com/office/drawing/2014/main" id="{9EF3C4AF-DCB8-4C9C-979C-6C0739EFCDCF}"/>
+              </a:ext>
+            </a:extLst>
+          </p:cNvPr>
+          <p:cNvSpPr>
+            <a:spLocks noGrp="1"/>
+          </p:cNvSpPr>
+          <p:nvPr>
+            <p:ph type="sldNum" sz="quarter" idx="12"/>
+          </p:nvPr>
+        </p:nvSpPr>
+        <p:spPr/>
+        <p:txBody>
+          <a:bodyPr/>
+          <a:lstStyle/>
+          <a:p>
+            <a:fld id="{C246202D-E836-4A02-B0E2-2810C1AC2418}" type="slidenum">
+              <a:rPr lang="ko-KR" altLang="en-US" smtClean="0"/>
+              <a:t>10</a:t>
+            </a:fld>
+            <a:endParaRPr lang="ko-KR" altLang="en-US"/>
           </a:p>
         </p:txBody>
       </p:sp>
@@ -3159,6 +3899,14 @@
 <file path=ppt/slides/slide2.xml><?xml version="1.0" encoding="utf-8"?>
 <p:sld xmlns:a="http://schemas.openxmlformats.org/drawingml/2006/main" xmlns:r="http://schemas.openxmlformats.org/officeDocument/2006/relationships" xmlns:p="http://schemas.openxmlformats.org/presentationml/2006/main">
   <p:cSld>
+    <p:bg>
+      <p:bgPr>
+        <a:solidFill>
+          <a:schemeClr val="bg1"/>
+        </a:solidFill>
+        <a:effectLst/>
+      </p:bgPr>
+    </p:bg>
     <p:spTree>
       <p:nvGrpSpPr>
         <p:cNvPr id="1" name=""/>
@@ -3173,137 +3921,337 @@
           <a:chExt cx="0" cy="0"/>
         </a:xfrm>
       </p:grpSpPr>
-      <p:sp>
-        <p:nvSpPr>
-          <p:cNvPr id="2" name="제목 1"/>
-          <p:cNvSpPr>
-            <a:spLocks noGrp="1"/>
-          </p:cNvSpPr>
-          <p:nvPr>
-            <p:ph type="title"/>
-          </p:nvPr>
-        </p:nvSpPr>
+      <p:pic>
+        <p:nvPicPr>
+          <p:cNvPr id="5" name="그림 4">
+            <a:extLst>
+              <a:ext uri="{FF2B5EF4-FFF2-40B4-BE49-F238E27FC236}">
+                <a16:creationId xmlns:a16="http://schemas.microsoft.com/office/drawing/2014/main" id="{AADAA242-D703-0642-9926-E052D8BAF7B3}"/>
+              </a:ext>
+            </a:extLst>
+          </p:cNvPr>
+          <p:cNvPicPr>
+            <a:picLocks noChangeAspect="1"/>
+          </p:cNvPicPr>
+          <p:nvPr/>
+        </p:nvPicPr>
+        <p:blipFill rotWithShape="1">
+          <a:blip r:embed="rId2">
+            <a:extLst>
+              <a:ext uri="{28A0092B-C50C-407E-A947-70E740481C1C}">
+                <a14:useLocalDpi xmlns:a14="http://schemas.microsoft.com/office/drawing/2010/main" val="0"/>
+              </a:ext>
+            </a:extLst>
+          </a:blip>
+          <a:srcRect t="22722" b="5393"/>
+          <a:stretch/>
+        </p:blipFill>
         <p:spPr>
           <a:xfrm>
-            <a:off x="364375" y="240434"/>
-            <a:ext cx="10515600" cy="1325563"/>
+            <a:off x="-78828" y="10"/>
+            <a:ext cx="12192000" cy="6857990"/>
+          </a:xfrm>
+          <a:prstGeom prst="rect">
+            <a:avLst/>
+          </a:prstGeom>
+        </p:spPr>
+      </p:pic>
+      <p:sp>
+        <p:nvSpPr>
+          <p:cNvPr id="11" name="Freeform 5">
+            <a:extLst>
+              <a:ext uri="{FF2B5EF4-FFF2-40B4-BE49-F238E27FC236}">
+                <a16:creationId xmlns:a16="http://schemas.microsoft.com/office/drawing/2014/main" id="{3CD9DF72-87A3-404E-A828-84CBF11A8303}"/>
+              </a:ext>
+              <a:ext uri="{C183D7F6-B498-43B3-948B-1728B52AA6E4}">
+                <adec:decorative xmlns:adec="http://schemas.microsoft.com/office/drawing/2017/decorative" val="1"/>
+              </a:ext>
+            </a:extLst>
+          </p:cNvPr>
+          <p:cNvSpPr>
+            <a:spLocks noGrp="1" noRot="1" noChangeAspect="1" noMove="1" noResize="1" noEditPoints="1" noAdjustHandles="1" noChangeArrowheads="1" noChangeShapeType="1" noTextEdit="1"/>
+          </p:cNvSpPr>
+          <p:nvPr>
+            <p:extLst>
+              <p:ext uri="{386F3935-93C4-4BCD-93E2-E3B085C9AB24}">
+                <p16:designElem xmlns:p16="http://schemas.microsoft.com/office/powerpoint/2015/main" val="1"/>
+              </p:ext>
+            </p:extLst>
+          </p:nvPr>
+        </p:nvSpPr>
+        <p:spPr bwMode="grayWhite">
+          <a:xfrm flipH="1">
+            <a:off x="0" y="998175"/>
+            <a:ext cx="6017172" cy="5859825"/>
+          </a:xfrm>
+          <a:custGeom>
+            <a:avLst/>
+            <a:gdLst>
+              <a:gd name="T0" fmla="*/ 1333 w 1333"/>
+              <a:gd name="T1" fmla="*/ 1031 h 1298"/>
+              <a:gd name="T2" fmla="*/ 1333 w 1333"/>
+              <a:gd name="T3" fmla="*/ 380 h 1298"/>
+              <a:gd name="T4" fmla="*/ 706 w 1333"/>
+              <a:gd name="T5" fmla="*/ 0 h 1298"/>
+              <a:gd name="T6" fmla="*/ 0 w 1333"/>
+              <a:gd name="T7" fmla="*/ 706 h 1298"/>
+              <a:gd name="T8" fmla="*/ 323 w 1333"/>
+              <a:gd name="T9" fmla="*/ 1298 h 1298"/>
+              <a:gd name="T10" fmla="*/ 1090 w 1333"/>
+              <a:gd name="T11" fmla="*/ 1298 h 1298"/>
+              <a:gd name="T12" fmla="*/ 1333 w 1333"/>
+              <a:gd name="T13" fmla="*/ 1031 h 1298"/>
+            </a:gdLst>
+            <a:ahLst/>
+            <a:cxnLst>
+              <a:cxn ang="0">
+                <a:pos x="T0" y="T1"/>
+              </a:cxn>
+              <a:cxn ang="0">
+                <a:pos x="T2" y="T3"/>
+              </a:cxn>
+              <a:cxn ang="0">
+                <a:pos x="T4" y="T5"/>
+              </a:cxn>
+              <a:cxn ang="0">
+                <a:pos x="T6" y="T7"/>
+              </a:cxn>
+              <a:cxn ang="0">
+                <a:pos x="T8" y="T9"/>
+              </a:cxn>
+              <a:cxn ang="0">
+                <a:pos x="T10" y="T11"/>
+              </a:cxn>
+              <a:cxn ang="0">
+                <a:pos x="T12" y="T13"/>
+              </a:cxn>
+            </a:cxnLst>
+            <a:rect l="0" t="0" r="r" b="b"/>
+            <a:pathLst>
+              <a:path w="1333" h="1298">
+                <a:moveTo>
+                  <a:pt x="1333" y="1031"/>
+                </a:moveTo>
+                <a:cubicBezTo>
+                  <a:pt x="1333" y="380"/>
+                  <a:pt x="1333" y="380"/>
+                  <a:pt x="1333" y="380"/>
+                </a:cubicBezTo>
+                <a:cubicBezTo>
+                  <a:pt x="1215" y="154"/>
+                  <a:pt x="979" y="0"/>
+                  <a:pt x="706" y="0"/>
+                </a:cubicBezTo>
+                <a:cubicBezTo>
+                  <a:pt x="317" y="0"/>
+                  <a:pt x="0" y="316"/>
+                  <a:pt x="0" y="706"/>
+                </a:cubicBezTo>
+                <a:cubicBezTo>
+                  <a:pt x="0" y="954"/>
+                  <a:pt x="129" y="1172"/>
+                  <a:pt x="323" y="1298"/>
+                </a:cubicBezTo>
+                <a:cubicBezTo>
+                  <a:pt x="1090" y="1298"/>
+                  <a:pt x="1090" y="1298"/>
+                  <a:pt x="1090" y="1298"/>
+                </a:cubicBezTo>
+                <a:cubicBezTo>
+                  <a:pt x="1193" y="1232"/>
+                  <a:pt x="1276" y="1140"/>
+                  <a:pt x="1333" y="1031"/>
+                </a:cubicBezTo>
+                <a:close/>
+              </a:path>
+            </a:pathLst>
+          </a:custGeom>
+          <a:solidFill>
+            <a:schemeClr val="bg1">
+              <a:alpha val="75000"/>
+            </a:schemeClr>
+          </a:solidFill>
+          <a:ln w="50800" cap="sq" cmpd="dbl">
+            <a:noFill/>
+            <a:miter lim="800000"/>
+          </a:ln>
+          <a:effectLst/>
+        </p:spPr>
+        <p:txBody>
+          <a:bodyPr vert="horz" lIns="91440" tIns="45720" rIns="91440" bIns="45720" rtlCol="0" anchor="t">
+            <a:normAutofit/>
+          </a:bodyPr>
+          <a:lstStyle/>
+          <a:p>
+            <a:pPr algn="ctr">
+              <a:spcAft>
+                <a:spcPts val="1000"/>
+              </a:spcAft>
+              <a:buClr>
+                <a:schemeClr val="tx1"/>
+              </a:buClr>
+              <a:buSzPct val="100000"/>
+              <a:buFont typeface="Arial"/>
+              <a:buNone/>
+            </a:pPr>
+            <a:endParaRPr lang="en-US" sz="1600" cap="all"/>
+          </a:p>
+        </p:txBody>
+      </p:sp>
+      <p:sp>
+        <p:nvSpPr>
+          <p:cNvPr id="2" name="제목 1"/>
+          <p:cNvSpPr>
+            <a:spLocks noGrp="1"/>
+          </p:cNvSpPr>
+          <p:nvPr>
+            <p:ph type="title"/>
+          </p:nvPr>
+        </p:nvSpPr>
+        <p:spPr>
+          <a:xfrm>
+            <a:off x="709448" y="1913950"/>
+            <a:ext cx="4204137" cy="1342754"/>
           </a:xfrm>
         </p:spPr>
         <p:txBody>
-          <a:bodyPr/>
-          <a:lstStyle/>
-          <a:p>
-            <a:r>
-              <a:rPr lang="ko-KR" altLang="en-US" dirty="0" smtClean="0"/>
+          <a:bodyPr>
+            <a:normAutofit/>
+          </a:bodyPr>
+          <a:lstStyle/>
+          <a:p>
+            <a:pPr algn="ctr"/>
+            <a:r>
+              <a:rPr lang="ko-KR" altLang="en-US" sz="3600" dirty="0"/>
               <a:t>목차</a:t>
             </a:r>
-            <a:endParaRPr lang="ko-KR" altLang="en-US" dirty="0"/>
-          </a:p>
-        </p:txBody>
-      </p:sp>
-      <p:sp>
-        <p:nvSpPr>
-          <p:cNvPr id="3" name="내용 개체 틀 2"/>
-          <p:cNvSpPr>
-            <a:spLocks noGrp="1"/>
-          </p:cNvSpPr>
-          <p:nvPr>
-            <p:ph idx="1"/>
-          </p:nvPr>
-        </p:nvSpPr>
+          </a:p>
+        </p:txBody>
+      </p:sp>
+      <p:cxnSp>
+        <p:nvCxnSpPr>
+          <p:cNvPr id="13" name="Straight Connector 12">
+            <a:extLst>
+              <a:ext uri="{FF2B5EF4-FFF2-40B4-BE49-F238E27FC236}">
+                <a16:creationId xmlns:a16="http://schemas.microsoft.com/office/drawing/2014/main" id="{20E3A342-4D61-4E3F-AF90-1AB42AEB96CC}"/>
+              </a:ext>
+              <a:ext uri="{C183D7F6-B498-43B3-948B-1728B52AA6E4}">
+                <adec:decorative xmlns:adec="http://schemas.microsoft.com/office/drawing/2017/decorative" val="1"/>
+              </a:ext>
+            </a:extLst>
+          </p:cNvPr>
+          <p:cNvCxnSpPr>
+            <a:cxnSpLocks noGrp="1" noRot="1" noChangeAspect="1" noMove="1" noResize="1" noEditPoints="1" noAdjustHandles="1" noChangeArrowheads="1" noChangeShapeType="1"/>
+          </p:cNvCxnSpPr>
+          <p:nvPr>
+            <p:extLst>
+              <p:ext uri="{386F3935-93C4-4BCD-93E2-E3B085C9AB24}">
+                <p16:designElem xmlns:p16="http://schemas.microsoft.com/office/powerpoint/2015/main" val="1"/>
+              </p:ext>
+            </p:extLst>
+          </p:nvPr>
+        </p:nvCxnSpPr>
         <p:spPr>
           <a:xfrm>
-            <a:off x="364374" y="1775748"/>
-            <a:ext cx="11664141" cy="4666616"/>
+            <a:off x="2287051" y="3337139"/>
+            <a:ext cx="935420" cy="0"/>
+          </a:xfrm>
+          <a:prstGeom prst="line">
+            <a:avLst/>
+          </a:prstGeom>
+          <a:ln w="25400" cap="sq">
+            <a:solidFill>
+              <a:schemeClr val="tx1">
+                <a:lumMod val="85000"/>
+                <a:lumOff val="15000"/>
+              </a:schemeClr>
+            </a:solidFill>
+            <a:bevel/>
+          </a:ln>
+        </p:spPr>
+        <p:style>
+          <a:lnRef idx="1">
+            <a:schemeClr val="accent1"/>
+          </a:lnRef>
+          <a:fillRef idx="0">
+            <a:schemeClr val="accent1"/>
+          </a:fillRef>
+          <a:effectRef idx="0">
+            <a:schemeClr val="accent1"/>
+          </a:effectRef>
+          <a:fontRef idx="minor">
+            <a:schemeClr val="tx1"/>
+          </a:fontRef>
+        </p:style>
+      </p:cxnSp>
+      <p:sp>
+        <p:nvSpPr>
+          <p:cNvPr id="3" name="내용 개체 틀 2"/>
+          <p:cNvSpPr>
+            <a:spLocks noGrp="1"/>
+          </p:cNvSpPr>
+          <p:nvPr>
+            <p:ph idx="1"/>
+          </p:nvPr>
+        </p:nvSpPr>
+        <p:spPr>
+          <a:xfrm>
+            <a:off x="525516" y="3417573"/>
+            <a:ext cx="4593021" cy="2619839"/>
           </a:xfrm>
         </p:spPr>
         <p:txBody>
-          <a:bodyPr>
-            <a:normAutofit fontScale="92500" lnSpcReduction="20000"/>
+          <a:bodyPr anchor="ctr">
+            <a:normAutofit/>
           </a:bodyPr>
           <a:lstStyle/>
           <a:p>
-            <a:pPr>
-              <a:lnSpc>
-                <a:spcPct val="150000"/>
-              </a:lnSpc>
-            </a:pPr>
-            <a:r>
-              <a:rPr lang="ko-KR" altLang="en-US" dirty="0" smtClean="0"/>
+            <a:r>
+              <a:rPr lang="ko-KR" altLang="en-US" sz="1800" dirty="0"/>
+              <a:t>프로젝트 개요</a:t>
+            </a:r>
+            <a:endParaRPr lang="en-US" altLang="ko-KR" sz="1800" dirty="0"/>
+          </a:p>
+          <a:p>
+            <a:r>
+              <a:rPr lang="ko-KR" altLang="en-US" sz="1800" dirty="0"/>
               <a:t>주제 선정 이유</a:t>
             </a:r>
-            <a:endParaRPr lang="en-US" altLang="ko-KR" dirty="0" smtClean="0"/>
-          </a:p>
-          <a:p>
-            <a:pPr>
-              <a:lnSpc>
-                <a:spcPct val="150000"/>
-              </a:lnSpc>
-            </a:pPr>
-            <a:r>
-              <a:rPr lang="ko-KR" altLang="en-US" dirty="0" smtClean="0"/>
-              <a:t>프로젝트 개요</a:t>
-            </a:r>
-            <a:endParaRPr lang="en-US" altLang="ko-KR" dirty="0" smtClean="0"/>
-          </a:p>
-          <a:p>
-            <a:pPr>
-              <a:lnSpc>
-                <a:spcPct val="150000"/>
-              </a:lnSpc>
-            </a:pPr>
-            <a:r>
-              <a:rPr lang="ko-KR" altLang="en-US" dirty="0" smtClean="0"/>
+            <a:endParaRPr lang="en-US" altLang="ko-KR" sz="1800" dirty="0"/>
+          </a:p>
+          <a:p>
+            <a:r>
+              <a:rPr lang="ko-KR" altLang="en-US" sz="1800" dirty="0"/>
               <a:t>프로젝트 설명</a:t>
             </a:r>
-            <a:endParaRPr lang="en-US" altLang="ko-KR" dirty="0"/>
-          </a:p>
-          <a:p>
-            <a:pPr>
-              <a:lnSpc>
-                <a:spcPct val="150000"/>
-              </a:lnSpc>
-            </a:pPr>
-            <a:r>
-              <a:rPr lang="ko-KR" altLang="en-US" dirty="0" smtClean="0"/>
+            <a:endParaRPr lang="en-US" altLang="ko-KR" sz="1800" dirty="0"/>
+          </a:p>
+          <a:p>
+            <a:r>
+              <a:rPr lang="ko-KR" altLang="en-US" sz="1800" dirty="0"/>
               <a:t>프로젝트 시연</a:t>
             </a:r>
-            <a:endParaRPr lang="en-US" altLang="ko-KR" dirty="0" smtClean="0"/>
-          </a:p>
-          <a:p>
-            <a:pPr>
-              <a:lnSpc>
-                <a:spcPct val="150000"/>
-              </a:lnSpc>
-            </a:pPr>
-            <a:r>
-              <a:rPr lang="ko-KR" altLang="en-US" dirty="0" smtClean="0"/>
+            <a:endParaRPr lang="en-US" altLang="ko-KR" sz="1800" dirty="0"/>
+          </a:p>
+          <a:p>
+            <a:r>
+              <a:rPr lang="ko-KR" altLang="en-US" sz="1800" dirty="0"/>
               <a:t>추가 수정 사항</a:t>
             </a:r>
-            <a:endParaRPr lang="en-US" altLang="ko-KR" dirty="0"/>
-          </a:p>
-          <a:p>
-            <a:pPr>
-              <a:lnSpc>
-                <a:spcPct val="150000"/>
-              </a:lnSpc>
-            </a:pPr>
-            <a:r>
-              <a:rPr lang="en-US" altLang="ko-KR" dirty="0" smtClean="0"/>
+            <a:endParaRPr lang="en-US" altLang="ko-KR" sz="1800" dirty="0"/>
+          </a:p>
+          <a:p>
+            <a:r>
+              <a:rPr lang="en-US" altLang="ko-KR" sz="1800" dirty="0"/>
               <a:t>Q&amp;A</a:t>
             </a:r>
           </a:p>
           <a:p>
-            <a:pPr>
-              <a:lnSpc>
-                <a:spcPct val="150000"/>
-              </a:lnSpc>
-            </a:pPr>
-            <a:r>
-              <a:rPr lang="ko-KR" altLang="en-US" dirty="0" smtClean="0"/>
+            <a:r>
+              <a:rPr lang="ko-KR" altLang="en-US" sz="1800" dirty="0"/>
               <a:t>참고 문헌</a:t>
             </a:r>
-            <a:endParaRPr lang="en-US" altLang="ko-KR" dirty="0" smtClean="0"/>
+            <a:endParaRPr lang="en-US" altLang="ko-KR" sz="1800" dirty="0"/>
           </a:p>
         </p:txBody>
       </p:sp>
@@ -3349,23 +4297,20 @@
         </p:nvSpPr>
         <p:spPr>
           <a:xfrm>
-            <a:off x="364375" y="240434"/>
-            <a:ext cx="10515600" cy="1325563"/>
+            <a:off x="289560" y="244156"/>
+            <a:ext cx="4305300" cy="784544"/>
           </a:xfrm>
         </p:spPr>
         <p:txBody>
-          <a:bodyPr/>
+          <a:bodyPr>
+            <a:normAutofit/>
+          </a:bodyPr>
           <a:lstStyle/>
           <a:p>
             <a:r>
               <a:rPr lang="ko-KR" altLang="en-US" dirty="0"/>
-              <a:t>주제 선정 </a:t>
-            </a:r>
-            <a:r>
-              <a:rPr lang="ko-KR" altLang="en-US" dirty="0" smtClean="0"/>
-              <a:t>이유</a:t>
-            </a:r>
-            <a:endParaRPr lang="ko-KR" altLang="en-US" dirty="0"/>
+              <a:t>프로젝트 개요</a:t>
+            </a:r>
           </a:p>
         </p:txBody>
       </p:sp>
@@ -3381,106 +4326,506 @@
         </p:nvSpPr>
         <p:spPr>
           <a:xfrm>
-            <a:off x="364374" y="1775748"/>
-            <a:ext cx="11664141" cy="4666616"/>
+            <a:off x="289560" y="1108710"/>
+            <a:ext cx="11209020" cy="5247640"/>
           </a:xfrm>
         </p:spPr>
         <p:txBody>
           <a:bodyPr>
-            <a:noAutofit/>
+            <a:normAutofit/>
           </a:bodyPr>
           <a:lstStyle/>
           <a:p>
             <a:pPr>
-              <a:buFontTx/>
-              <a:buChar char="-"/>
+              <a:buFont typeface="Wingdings" pitchFamily="2" charset="2"/>
+              <a:buChar char="§"/>
             </a:pPr>
             <a:r>
-              <a:rPr lang="ko-KR" altLang="en-US" sz="2500" dirty="0" smtClean="0"/>
-              <a:t>최근 산불 사태로 인하여 </a:t>
-            </a:r>
-            <a:r>
-              <a:rPr lang="ko-KR" altLang="en-US" sz="2500" b="1" dirty="0" smtClean="0"/>
-              <a:t>우리나라의 대피 취약점</a:t>
-            </a:r>
-            <a:r>
-              <a:rPr lang="ko-KR" altLang="en-US" sz="2500" dirty="0" smtClean="0"/>
-              <a:t>을 발견했기 때문이</a:t>
-            </a:r>
-            <a:r>
-              <a:rPr lang="ko-KR" altLang="en-US" sz="2500" dirty="0" smtClean="0"/>
-              <a:t>다</a:t>
-            </a:r>
-            <a:r>
-              <a:rPr lang="en-US" altLang="ko-KR" sz="2500" dirty="0" smtClean="0"/>
-              <a:t>.</a:t>
-            </a:r>
-            <a:r>
-              <a:rPr lang="en-US" altLang="ko-KR" sz="2500" dirty="0" smtClean="0"/>
-              <a:t/>
-            </a:r>
-            <a:br>
-              <a:rPr lang="en-US" altLang="ko-KR" sz="2500" dirty="0" smtClean="0"/>
-            </a:br>
-            <a:r>
-              <a:rPr lang="en-US" altLang="ko-KR" sz="2500" b="1" dirty="0" smtClean="0"/>
-              <a:t>2019</a:t>
-            </a:r>
-            <a:r>
-              <a:rPr lang="ko-KR" altLang="en-US" sz="2500" b="1" dirty="0" smtClean="0"/>
-              <a:t>년에 발생한 대형 산불 때는 국가에서 </a:t>
-            </a:r>
-            <a:r>
-              <a:rPr lang="ko-KR" altLang="en-US" sz="2500" b="1" dirty="0" err="1" smtClean="0"/>
-              <a:t>피난문자로</a:t>
-            </a:r>
-            <a:r>
-              <a:rPr lang="ko-KR" altLang="en-US" sz="2500" b="1" dirty="0" smtClean="0"/>
-              <a:t> 시민들에게 </a:t>
-            </a:r>
-            <a:r>
-              <a:rPr lang="ko-KR" altLang="en-US" sz="2500" b="1" dirty="0" err="1" smtClean="0"/>
-              <a:t>피난유도를</a:t>
-            </a:r>
-            <a:r>
-              <a:rPr lang="ko-KR" altLang="en-US" sz="2500" b="1" dirty="0" smtClean="0"/>
-              <a:t> 하였고 이를 실시간으로 중계 비슷한 형식으로 갤러리에 글을 쓴 사람의 내용에 의하면 산불이 났는데 국가는 세 개의 산에 둘러 쌓인 초등학교를 피난 장소로 안내했다</a:t>
-            </a:r>
-            <a:r>
-              <a:rPr lang="en-US" altLang="ko-KR" sz="2500" b="1" dirty="0" smtClean="0"/>
-              <a:t>.</a:t>
-            </a:r>
-            <a:r>
-              <a:rPr lang="ko-KR" altLang="en-US" sz="2500" dirty="0" smtClean="0"/>
-              <a:t/>
-            </a:r>
-            <a:br>
-              <a:rPr lang="ko-KR" altLang="en-US" sz="2500" dirty="0" smtClean="0"/>
-            </a:br>
-            <a:r>
-              <a:rPr lang="ko-KR" altLang="en-US" sz="2500" dirty="0" smtClean="0"/>
-              <a:t>만약 많은 사람들이 피난했다면 큰 인명사고가 일어날 수 있었다</a:t>
-            </a:r>
-            <a:r>
-              <a:rPr lang="en-US" altLang="ko-KR" sz="2500" dirty="0" smtClean="0"/>
-              <a:t>.</a:t>
-            </a:r>
-            <a:endParaRPr lang="ko-KR" altLang="en-US" sz="2500" dirty="0" smtClean="0"/>
+              <a:rPr lang="ko-KR" altLang="en-US" sz="2000" dirty="0"/>
+              <a:t>주제 </a:t>
+            </a:r>
+            <a:r>
+              <a:rPr lang="en-US" altLang="ko-KR" sz="2000" dirty="0"/>
+              <a:t>:</a:t>
+            </a:r>
+            <a:r>
+              <a:rPr lang="ko-KR" altLang="en-US" sz="2000" dirty="0"/>
+              <a:t> 내 주변 대피소 찾기</a:t>
+            </a:r>
+            <a:endParaRPr lang="en-US" altLang="ko-KR" sz="2000" dirty="0"/>
           </a:p>
           <a:p>
             <a:pPr>
-              <a:lnSpc>
-                <a:spcPct val="150000"/>
-              </a:lnSpc>
+              <a:buFont typeface="Wingdings" pitchFamily="2" charset="2"/>
+              <a:buChar char="§"/>
             </a:pPr>
-            <a:endParaRPr lang="en-US" altLang="ko-KR" sz="1600" dirty="0" smtClean="0"/>
-          </a:p>
-        </p:txBody>
-      </p:sp>
+            <a:endParaRPr lang="en-US" altLang="ko-KR" sz="2000" dirty="0"/>
+          </a:p>
+          <a:p>
+            <a:pPr>
+              <a:buFont typeface="Wingdings" pitchFamily="2" charset="2"/>
+              <a:buChar char="§"/>
+            </a:pPr>
+            <a:r>
+              <a:rPr lang="ko-KR" altLang="en-US" sz="2000" dirty="0"/>
+              <a:t>프로젝트 기간 </a:t>
+            </a:r>
+            <a:r>
+              <a:rPr lang="en-US" altLang="ko-KR" sz="2000" dirty="0"/>
+              <a:t>:</a:t>
+            </a:r>
+            <a:r>
+              <a:rPr lang="ko-KR" altLang="en-US" sz="2000" dirty="0"/>
+              <a:t> </a:t>
+            </a:r>
+            <a:r>
+              <a:rPr lang="en-US" altLang="ko-KR" sz="2000" dirty="0"/>
+              <a:t>4</a:t>
+            </a:r>
+            <a:r>
+              <a:rPr lang="ko-KR" altLang="en-US" sz="2000" dirty="0"/>
+              <a:t>월 </a:t>
+            </a:r>
+            <a:r>
+              <a:rPr lang="en-US" altLang="ko-KR" sz="2000" dirty="0"/>
+              <a:t>22</a:t>
+            </a:r>
+            <a:r>
+              <a:rPr lang="ko-KR" altLang="en-US" sz="2000" dirty="0"/>
+              <a:t>일 </a:t>
+            </a:r>
+            <a:r>
+              <a:rPr lang="en-US" altLang="ko-KR" sz="2000" dirty="0"/>
+              <a:t>~</a:t>
+            </a:r>
+            <a:r>
+              <a:rPr lang="ko-KR" altLang="en-US" sz="2000" dirty="0"/>
+              <a:t> </a:t>
+            </a:r>
+            <a:r>
+              <a:rPr lang="en-US" altLang="ko-KR" sz="2000" dirty="0"/>
+              <a:t>6</a:t>
+            </a:r>
+            <a:r>
+              <a:rPr lang="ko-KR" altLang="en-US" sz="2000" dirty="0"/>
+              <a:t>월 </a:t>
+            </a:r>
+            <a:r>
+              <a:rPr lang="en-US" altLang="ko-KR" sz="2000" dirty="0"/>
+              <a:t>11</a:t>
+            </a:r>
+            <a:r>
+              <a:rPr lang="ko-KR" altLang="en-US" sz="2000" dirty="0"/>
+              <a:t>일</a:t>
+            </a:r>
+            <a:endParaRPr lang="en-US" altLang="ko-KR" sz="2000" dirty="0"/>
+          </a:p>
+          <a:p>
+            <a:pPr>
+              <a:buFont typeface="Wingdings" pitchFamily="2" charset="2"/>
+              <a:buChar char="§"/>
+            </a:pPr>
+            <a:endParaRPr lang="en-US" altLang="ko-KR" sz="2000" dirty="0"/>
+          </a:p>
+          <a:p>
+            <a:pPr>
+              <a:buFont typeface="Wingdings" pitchFamily="2" charset="2"/>
+              <a:buChar char="§"/>
+            </a:pPr>
+            <a:r>
+              <a:rPr lang="ko-KR" altLang="en-US" sz="2000" dirty="0"/>
+              <a:t>프로젝트 </a:t>
+            </a:r>
+            <a:r>
+              <a:rPr lang="ko-KR" altLang="en-US" sz="2000" dirty="0" err="1"/>
+              <a:t>깃허브</a:t>
+            </a:r>
+            <a:r>
+              <a:rPr lang="ko-KR" altLang="en-US" sz="2000" dirty="0"/>
+              <a:t> 주소 </a:t>
+            </a:r>
+            <a:endParaRPr lang="en-US" altLang="ko-KR" sz="2000" dirty="0"/>
+          </a:p>
+          <a:p>
+            <a:pPr marL="0" indent="0">
+              <a:buNone/>
+            </a:pPr>
+            <a:r>
+              <a:rPr lang="en-US" altLang="ko-KR" sz="2000" dirty="0"/>
+              <a:t>-&gt; </a:t>
+            </a:r>
+            <a:r>
+              <a:rPr lang="en" altLang="ko-KR" sz="2000" dirty="0">
+                <a:hlinkClick r:id="rId2"/>
+              </a:rPr>
+              <a:t>https://github.com/devsungmin/OSS-Team</a:t>
+            </a:r>
+            <a:endParaRPr lang="en" altLang="ko-KR" sz="2000" dirty="0"/>
+          </a:p>
+          <a:p>
+            <a:pPr>
+              <a:buFont typeface="Wingdings" pitchFamily="2" charset="2"/>
+              <a:buChar char="§"/>
+            </a:pPr>
+            <a:endParaRPr lang="en" altLang="ko-KR" sz="2000" dirty="0"/>
+          </a:p>
+          <a:p>
+            <a:pPr>
+              <a:buFont typeface="Wingdings" pitchFamily="2" charset="2"/>
+              <a:buChar char="§"/>
+            </a:pPr>
+            <a:r>
+              <a:rPr lang="ko-KR" altLang="en-US" sz="2000" dirty="0"/>
+              <a:t>프로젝트 문서</a:t>
+            </a:r>
+            <a:r>
+              <a:rPr lang="en-US" altLang="ko-KR" sz="2000" dirty="0"/>
+              <a:t>(Notion)</a:t>
+            </a:r>
+            <a:r>
+              <a:rPr lang="ko-KR" altLang="en-US" sz="2000" dirty="0"/>
+              <a:t> </a:t>
+            </a:r>
+            <a:endParaRPr lang="en-US" altLang="ko-KR" sz="2000" dirty="0"/>
+          </a:p>
+          <a:p>
+            <a:pPr marL="0" indent="0">
+              <a:buNone/>
+            </a:pPr>
+            <a:r>
+              <a:rPr lang="en-US" altLang="ko-KR" sz="2000" dirty="0"/>
+              <a:t>-&gt; </a:t>
+            </a:r>
+            <a:r>
+              <a:rPr lang="en" altLang="ko-KR" sz="2000" dirty="0">
+                <a:hlinkClick r:id="rId3"/>
+              </a:rPr>
+              <a:t>https://www.notion.so/devsungmin/7e226d7f623c490895f7b725bd613a82</a:t>
+            </a:r>
+            <a:endParaRPr lang="en" altLang="ko-KR" sz="2000" dirty="0"/>
+          </a:p>
+          <a:p>
+            <a:pPr>
+              <a:buFont typeface="Wingdings" pitchFamily="2" charset="2"/>
+              <a:buChar char="§"/>
+            </a:pPr>
+            <a:endParaRPr lang="en" altLang="ko-KR" sz="2000" dirty="0"/>
+          </a:p>
+          <a:p>
+            <a:pPr>
+              <a:buFont typeface="Wingdings" pitchFamily="2" charset="2"/>
+              <a:buChar char="§"/>
+            </a:pPr>
+            <a:r>
+              <a:rPr lang="ko-KR" altLang="en-US" sz="2000" dirty="0"/>
+              <a:t>사용 </a:t>
+            </a:r>
+            <a:r>
+              <a:rPr lang="en-US" altLang="ko-KR" sz="2000" dirty="0"/>
+              <a:t>API : T-Map / </a:t>
+            </a:r>
+            <a:r>
+              <a:rPr lang="ko-KR" altLang="en-US" sz="2000" dirty="0"/>
+              <a:t>충청남도 천안시</a:t>
+            </a:r>
+            <a:r>
+              <a:rPr lang="en-US" altLang="ko-KR" sz="2000" dirty="0"/>
+              <a:t>_</a:t>
+            </a:r>
+            <a:r>
+              <a:rPr lang="ko-KR" altLang="en-US" sz="2000" dirty="0"/>
+              <a:t>지진해일대피소 사용</a:t>
+            </a:r>
+            <a:endParaRPr lang="en" altLang="ko-KR" sz="2000" dirty="0"/>
+          </a:p>
+          <a:p>
+            <a:pPr marL="0" indent="0">
+              <a:buNone/>
+            </a:pPr>
+            <a:endParaRPr lang="en-US" altLang="ko-KR" sz="2000" dirty="0"/>
+          </a:p>
+          <a:p>
+            <a:pPr>
+              <a:buFont typeface="Wingdings" pitchFamily="2" charset="2"/>
+              <a:buChar char="§"/>
+            </a:pPr>
+            <a:r>
+              <a:rPr lang="ko-KR" altLang="en-US" sz="2000" dirty="0"/>
+              <a:t>기술 스택 </a:t>
+            </a:r>
+            <a:r>
+              <a:rPr lang="en-US" altLang="ko-KR" sz="2000" dirty="0"/>
+              <a:t>:</a:t>
+            </a:r>
+          </a:p>
+          <a:p>
+            <a:pPr marL="0" indent="0">
+              <a:buNone/>
+            </a:pPr>
+            <a:endParaRPr lang="en-US" altLang="ko-KR" dirty="0"/>
+          </a:p>
+          <a:p>
+            <a:pPr marL="0" indent="0">
+              <a:buNone/>
+            </a:pPr>
+            <a:endParaRPr lang="en-US" altLang="ko-KR" dirty="0"/>
+          </a:p>
+        </p:txBody>
+      </p:sp>
+      <p:sp>
+        <p:nvSpPr>
+          <p:cNvPr id="6" name="슬라이드 번호 개체 틀 5">
+            <a:extLst>
+              <a:ext uri="{FF2B5EF4-FFF2-40B4-BE49-F238E27FC236}">
+                <a16:creationId xmlns:a16="http://schemas.microsoft.com/office/drawing/2014/main" id="{1EB69B9A-003A-4F21-9931-47FECB4BA996}"/>
+              </a:ext>
+            </a:extLst>
+          </p:cNvPr>
+          <p:cNvSpPr>
+            <a:spLocks noGrp="1"/>
+          </p:cNvSpPr>
+          <p:nvPr>
+            <p:ph type="sldNum" sz="quarter" idx="12"/>
+          </p:nvPr>
+        </p:nvSpPr>
+        <p:spPr>
+          <a:xfrm>
+            <a:off x="8610600" y="6356350"/>
+            <a:ext cx="2743200" cy="365125"/>
+          </a:xfrm>
+        </p:spPr>
+        <p:txBody>
+          <a:bodyPr/>
+          <a:lstStyle/>
+          <a:p>
+            <a:fld id="{C246202D-E836-4A02-B0E2-2810C1AC2418}" type="slidenum">
+              <a:rPr lang="ko-KR" altLang="en-US" smtClean="0"/>
+              <a:t>3</a:t>
+            </a:fld>
+            <a:endParaRPr lang="ko-KR" altLang="en-US"/>
+          </a:p>
+        </p:txBody>
+      </p:sp>
+      <p:pic>
+        <p:nvPicPr>
+          <p:cNvPr id="5" name="그림 4">
+            <a:extLst>
+              <a:ext uri="{FF2B5EF4-FFF2-40B4-BE49-F238E27FC236}">
+                <a16:creationId xmlns:a16="http://schemas.microsoft.com/office/drawing/2014/main" id="{5860437D-1EA3-3648-A85D-C6270FCDD016}"/>
+              </a:ext>
+            </a:extLst>
+          </p:cNvPr>
+          <p:cNvPicPr>
+            <a:picLocks noChangeAspect="1"/>
+          </p:cNvPicPr>
+          <p:nvPr/>
+        </p:nvPicPr>
+        <p:blipFill>
+          <a:blip r:embed="rId4">
+            <a:extLst>
+              <a:ext uri="{28A0092B-C50C-407E-A947-70E740481C1C}">
+                <a14:useLocalDpi xmlns:a14="http://schemas.microsoft.com/office/drawing/2010/main" val="0"/>
+              </a:ext>
+            </a:extLst>
+          </a:blip>
+          <a:stretch>
+            <a:fillRect/>
+          </a:stretch>
+        </p:blipFill>
+        <p:spPr>
+          <a:xfrm>
+            <a:off x="1931074" y="5676994"/>
+            <a:ext cx="679356" cy="679356"/>
+          </a:xfrm>
+          <a:prstGeom prst="rect">
+            <a:avLst/>
+          </a:prstGeom>
+        </p:spPr>
+      </p:pic>
+      <p:pic>
+        <p:nvPicPr>
+          <p:cNvPr id="8" name="그림 7">
+            <a:extLst>
+              <a:ext uri="{FF2B5EF4-FFF2-40B4-BE49-F238E27FC236}">
+                <a16:creationId xmlns:a16="http://schemas.microsoft.com/office/drawing/2014/main" id="{CCD80120-B1D2-614F-B37F-682706164641}"/>
+              </a:ext>
+            </a:extLst>
+          </p:cNvPr>
+          <p:cNvPicPr>
+            <a:picLocks noChangeAspect="1"/>
+          </p:cNvPicPr>
+          <p:nvPr/>
+        </p:nvPicPr>
+        <p:blipFill>
+          <a:blip r:embed="rId5">
+            <a:extLst>
+              <a:ext uri="{28A0092B-C50C-407E-A947-70E740481C1C}">
+                <a14:useLocalDpi xmlns:a14="http://schemas.microsoft.com/office/drawing/2010/main" val="0"/>
+              </a:ext>
+            </a:extLst>
+          </a:blip>
+          <a:stretch>
+            <a:fillRect/>
+          </a:stretch>
+        </p:blipFill>
+        <p:spPr>
+          <a:xfrm>
+            <a:off x="4394596" y="5392725"/>
+            <a:ext cx="679356" cy="1247894"/>
+          </a:xfrm>
+          <a:prstGeom prst="rect">
+            <a:avLst/>
+          </a:prstGeom>
+        </p:spPr>
+      </p:pic>
+      <p:pic>
+        <p:nvPicPr>
+          <p:cNvPr id="10" name="그림 9">
+            <a:extLst>
+              <a:ext uri="{FF2B5EF4-FFF2-40B4-BE49-F238E27FC236}">
+                <a16:creationId xmlns:a16="http://schemas.microsoft.com/office/drawing/2014/main" id="{2F368DDB-9BE8-5141-AF3A-2413DF6EDD7A}"/>
+              </a:ext>
+            </a:extLst>
+          </p:cNvPr>
+          <p:cNvPicPr>
+            <a:picLocks noChangeAspect="1"/>
+          </p:cNvPicPr>
+          <p:nvPr/>
+        </p:nvPicPr>
+        <p:blipFill>
+          <a:blip r:embed="rId6">
+            <a:extLst>
+              <a:ext uri="{28A0092B-C50C-407E-A947-70E740481C1C}">
+                <a14:useLocalDpi xmlns:a14="http://schemas.microsoft.com/office/drawing/2010/main" val="0"/>
+              </a:ext>
+            </a:extLst>
+          </a:blip>
+          <a:stretch>
+            <a:fillRect/>
+          </a:stretch>
+        </p:blipFill>
+        <p:spPr>
+          <a:xfrm>
+            <a:off x="5220071" y="5574553"/>
+            <a:ext cx="1081470" cy="1081470"/>
+          </a:xfrm>
+          <a:prstGeom prst="rect">
+            <a:avLst/>
+          </a:prstGeom>
+        </p:spPr>
+      </p:pic>
+      <p:pic>
+        <p:nvPicPr>
+          <p:cNvPr id="12" name="그림 11">
+            <a:extLst>
+              <a:ext uri="{FF2B5EF4-FFF2-40B4-BE49-F238E27FC236}">
+                <a16:creationId xmlns:a16="http://schemas.microsoft.com/office/drawing/2014/main" id="{C04497DB-506B-EC44-AA17-F82D3E73EE28}"/>
+              </a:ext>
+            </a:extLst>
+          </p:cNvPr>
+          <p:cNvPicPr>
+            <a:picLocks noChangeAspect="1"/>
+          </p:cNvPicPr>
+          <p:nvPr/>
+        </p:nvPicPr>
+        <p:blipFill>
+          <a:blip r:embed="rId7">
+            <a:extLst>
+              <a:ext uri="{28A0092B-C50C-407E-A947-70E740481C1C}">
+                <a14:useLocalDpi xmlns:a14="http://schemas.microsoft.com/office/drawing/2010/main" val="0"/>
+              </a:ext>
+            </a:extLst>
+          </a:blip>
+          <a:stretch>
+            <a:fillRect/>
+          </a:stretch>
+        </p:blipFill>
+        <p:spPr>
+          <a:xfrm>
+            <a:off x="2844186" y="5627534"/>
+            <a:ext cx="1316654" cy="679356"/>
+          </a:xfrm>
+          <a:prstGeom prst="rect">
+            <a:avLst/>
+          </a:prstGeom>
+        </p:spPr>
+      </p:pic>
+      <p:pic>
+        <p:nvPicPr>
+          <p:cNvPr id="14" name="그림 13">
+            <a:extLst>
+              <a:ext uri="{FF2B5EF4-FFF2-40B4-BE49-F238E27FC236}">
+                <a16:creationId xmlns:a16="http://schemas.microsoft.com/office/drawing/2014/main" id="{AE64352B-7F58-6C4A-BF5D-0018CE1E7AB3}"/>
+              </a:ext>
+            </a:extLst>
+          </p:cNvPr>
+          <p:cNvPicPr>
+            <a:picLocks noChangeAspect="1"/>
+          </p:cNvPicPr>
+          <p:nvPr/>
+        </p:nvPicPr>
+        <p:blipFill>
+          <a:blip r:embed="rId8">
+            <a:extLst>
+              <a:ext uri="{28A0092B-C50C-407E-A947-70E740481C1C}">
+                <a14:useLocalDpi xmlns:a14="http://schemas.microsoft.com/office/drawing/2010/main" val="0"/>
+              </a:ext>
+            </a:extLst>
+          </a:blip>
+          <a:stretch>
+            <a:fillRect/>
+          </a:stretch>
+        </p:blipFill>
+        <p:spPr>
+          <a:xfrm>
+            <a:off x="6323399" y="189418"/>
+            <a:ext cx="5175181" cy="3899040"/>
+          </a:xfrm>
+          <a:prstGeom prst="rect">
+            <a:avLst/>
+          </a:prstGeom>
+        </p:spPr>
+      </p:pic>
+      <p:pic>
+        <p:nvPicPr>
+          <p:cNvPr id="16" name="그림 15">
+            <a:extLst>
+              <a:ext uri="{FF2B5EF4-FFF2-40B4-BE49-F238E27FC236}">
+                <a16:creationId xmlns:a16="http://schemas.microsoft.com/office/drawing/2014/main" id="{5128D899-C67A-2640-8B20-72F60075B068}"/>
+              </a:ext>
+            </a:extLst>
+          </p:cNvPr>
+          <p:cNvPicPr>
+            <a:picLocks noChangeAspect="1"/>
+          </p:cNvPicPr>
+          <p:nvPr/>
+        </p:nvPicPr>
+        <p:blipFill>
+          <a:blip r:embed="rId9">
+            <a:extLst>
+              <a:ext uri="{28A0092B-C50C-407E-A947-70E740481C1C}">
+                <a14:useLocalDpi xmlns:a14="http://schemas.microsoft.com/office/drawing/2010/main" val="0"/>
+              </a:ext>
+            </a:extLst>
+          </a:blip>
+          <a:stretch>
+            <a:fillRect/>
+          </a:stretch>
+        </p:blipFill>
+        <p:spPr>
+          <a:xfrm>
+            <a:off x="7341370" y="1108710"/>
+            <a:ext cx="4561070" cy="2850669"/>
+          </a:xfrm>
+          <a:prstGeom prst="rect">
+            <a:avLst/>
+          </a:prstGeom>
+        </p:spPr>
+      </p:pic>
     </p:spTree>
     <p:extLst>
       <p:ext uri="{BB962C8B-B14F-4D97-AF65-F5344CB8AC3E}">
-        <p14:creationId xmlns:p14="http://schemas.microsoft.com/office/powerpoint/2010/main" val="4260061631"/>
+        <p14:creationId xmlns:p14="http://schemas.microsoft.com/office/powerpoint/2010/main" val="2553362692"/>
       </p:ext>
     </p:extLst>
   </p:cSld>
@@ -3517,16 +4862,20 @@
             <p:ph type="title"/>
           </p:nvPr>
         </p:nvSpPr>
-        <p:spPr/>
+        <p:spPr>
+          <a:xfrm>
+            <a:off x="364375" y="240434"/>
+            <a:ext cx="10515600" cy="1325563"/>
+          </a:xfrm>
+        </p:spPr>
         <p:txBody>
           <a:bodyPr/>
           <a:lstStyle/>
           <a:p>
             <a:r>
-              <a:rPr lang="ko-KR" altLang="en-US" dirty="0" smtClean="0"/>
-              <a:t>프로젝트 개요</a:t>
-            </a:r>
-            <a:endParaRPr lang="ko-KR" altLang="en-US" dirty="0"/>
+              <a:rPr lang="ko-KR" altLang="en-US" dirty="0"/>
+              <a:t>주제 선정 이유</a:t>
+            </a:r>
           </a:p>
         </p:txBody>
       </p:sp>
@@ -3540,108 +4889,48 @@
             <p:ph idx="1"/>
           </p:nvPr>
         </p:nvSpPr>
-        <p:spPr/>
-        <p:txBody>
-          <a:bodyPr/>
-          <a:lstStyle/>
-          <a:p>
-            <a:pPr marL="0" indent="0">
-              <a:buNone/>
-            </a:pPr>
-            <a:r>
-              <a:rPr lang="en-US" altLang="ko-KR" sz="2000" dirty="0" smtClean="0"/>
-              <a:t>- </a:t>
-            </a:r>
-            <a:r>
-              <a:rPr lang="ko-KR" altLang="en-US" sz="2000" dirty="0" smtClean="0"/>
-              <a:t>재난이 일어나면 </a:t>
-            </a:r>
-            <a:r>
-              <a:rPr lang="ko-KR" altLang="en-US" sz="2000" dirty="0" err="1" smtClean="0"/>
-              <a:t>현위치부터</a:t>
-            </a:r>
-            <a:r>
-              <a:rPr lang="ko-KR" altLang="en-US" sz="2000" dirty="0" smtClean="0"/>
-              <a:t> 피난장소까지 최단거리를 안내해주는 기능</a:t>
-            </a:r>
-            <a:endParaRPr lang="en-US" altLang="ko-KR" sz="2000" dirty="0" smtClean="0"/>
-          </a:p>
-          <a:p>
-            <a:pPr marL="0" indent="0">
-              <a:buNone/>
-            </a:pPr>
-            <a:endParaRPr lang="en-US" altLang="ko-KR" sz="2000" dirty="0" smtClean="0"/>
-          </a:p>
-          <a:p>
-            <a:pPr marL="0" indent="0">
-              <a:buNone/>
-            </a:pPr>
-            <a:r>
-              <a:rPr lang="en-US" altLang="ko-KR" sz="2000" dirty="0" smtClean="0"/>
-              <a:t>-</a:t>
-            </a:r>
-            <a:r>
-              <a:rPr lang="ko-KR" altLang="en-US" sz="2000" dirty="0" smtClean="0"/>
-              <a:t> 해당 </a:t>
-            </a:r>
-            <a:r>
-              <a:rPr lang="ko-KR" altLang="en-US" sz="2000" dirty="0" err="1" smtClean="0"/>
-              <a:t>피난장소가</a:t>
-            </a:r>
-            <a:r>
-              <a:rPr lang="ko-KR" altLang="en-US" sz="2000" dirty="0" smtClean="0"/>
-              <a:t> 쓰일 수 있는지 없는지 사용자에게 판별해 주는 커뮤니티</a:t>
-            </a:r>
-            <a:endParaRPr lang="en-US" altLang="ko-KR" sz="2000" dirty="0" smtClean="0"/>
-          </a:p>
-          <a:p>
-            <a:pPr marL="0" indent="0">
-              <a:buNone/>
-            </a:pPr>
-            <a:endParaRPr lang="en-US" altLang="ko-KR" sz="2000" dirty="0" smtClean="0"/>
-          </a:p>
+        <p:spPr>
+          <a:xfrm>
+            <a:off x="263929" y="1856431"/>
+            <a:ext cx="11664141" cy="3414817"/>
+          </a:xfrm>
+        </p:spPr>
+        <p:txBody>
+          <a:bodyPr>
+            <a:noAutofit/>
+          </a:bodyPr>
+          <a:lstStyle/>
           <a:p>
             <a:pPr>
               <a:buFontTx/>
               <a:buChar char="-"/>
             </a:pPr>
             <a:r>
-              <a:rPr lang="ko-KR" altLang="en-US" sz="2000" dirty="0" err="1" smtClean="0"/>
-              <a:t>티맵</a:t>
-            </a:r>
-            <a:r>
-              <a:rPr lang="ko-KR" altLang="en-US" sz="2000" dirty="0" smtClean="0"/>
-              <a:t> </a:t>
-            </a:r>
-            <a:r>
-              <a:rPr lang="en-US" altLang="ko-KR" sz="2000" dirty="0">
-                <a:hlinkClick r:id="rId2"/>
+              <a:rPr lang="ko-KR" altLang="en-US" sz="2400" dirty="0"/>
+              <a:t>최근 산불 사태로 인하여 </a:t>
+            </a:r>
+            <a:r>
+              <a:rPr lang="ko-KR" altLang="en-US" sz="2400" dirty="0">
+                <a:highlight>
+                  <a:srgbClr val="FFFF00"/>
+                </a:highlight>
               </a:rPr>
-              <a:t>API</a:t>
-            </a:r>
-            <a:r>
-              <a:rPr lang="ko-KR" altLang="en-US" sz="2000" dirty="0"/>
-              <a:t>와 대한민국 공공 데이터인 </a:t>
-            </a:r>
-            <a:r>
-              <a:rPr lang="ko-KR" altLang="en-US" sz="2000" dirty="0" smtClean="0"/>
-              <a:t>충청남도 천안시</a:t>
-            </a:r>
-            <a:r>
-              <a:rPr lang="en-US" altLang="ko-KR" sz="2000" dirty="0" smtClean="0"/>
-              <a:t>_</a:t>
-            </a:r>
-            <a:r>
-              <a:rPr lang="ko-KR" altLang="en-US" sz="2000" dirty="0" smtClean="0"/>
-              <a:t>지진해일대피소 사용</a:t>
-            </a:r>
-            <a:endParaRPr lang="en-US" altLang="ko-KR" sz="2000" dirty="0" smtClean="0"/>
+              <a:t>우리나라의 대피 취약점</a:t>
+            </a:r>
+            <a:r>
+              <a:rPr lang="ko-KR" altLang="en-US" sz="2400" dirty="0"/>
+              <a:t>을 발견하였다</a:t>
+            </a:r>
+            <a:r>
+              <a:rPr lang="en-US" altLang="ko-KR" sz="2400" dirty="0"/>
+              <a:t>.</a:t>
+            </a:r>
           </a:p>
           <a:p>
             <a:pPr marL="0" indent="0">
               <a:buNone/>
             </a:pPr>
-            <a:endParaRPr lang="en-US" altLang="ko-KR" sz="2000" dirty="0" smtClean="0"/>
+            <a:endParaRPr lang="en-US" altLang="ko-KR" sz="2400" dirty="0"/>
           </a:p>
           <a:p>
             <a:pPr>
@@ -3649,62 +4938,117 @@
               <a:buChar char="-"/>
             </a:pPr>
             <a:r>
-              <a:rPr lang="en-US" altLang="ko-KR" sz="2000" dirty="0" smtClean="0"/>
-              <a:t>JSP, </a:t>
-            </a:r>
-            <a:r>
-              <a:rPr lang="ko-KR" altLang="en-US" sz="2000" dirty="0" smtClean="0"/>
-              <a:t>자바</a:t>
-            </a:r>
-            <a:r>
-              <a:rPr lang="en-US" altLang="ko-KR" sz="2000" dirty="0" smtClean="0"/>
-              <a:t>,</a:t>
-            </a:r>
-            <a:r>
-              <a:rPr lang="ko-KR" altLang="en-US" sz="2000" dirty="0" smtClean="0"/>
+              <a:rPr lang="en-US" altLang="ko-KR" sz="2400" dirty="0"/>
+              <a:t>2019</a:t>
+            </a:r>
+            <a:r>
+              <a:rPr lang="ko-KR" altLang="en-US" sz="2400" dirty="0"/>
+              <a:t>년에 발생한 대형 산불 때</a:t>
+            </a:r>
+            <a:r>
+              <a:rPr lang="en-US" altLang="ko-KR" sz="2400" dirty="0"/>
               <a:t> </a:t>
             </a:r>
             <a:r>
-              <a:rPr lang="ko-KR" altLang="en-US" sz="2000" dirty="0" err="1" smtClean="0"/>
-              <a:t>아파치톰캣</a:t>
-            </a:r>
-            <a:r>
-              <a:rPr lang="en-US" altLang="ko-KR" sz="2000" dirty="0" smtClean="0"/>
-              <a:t>,</a:t>
-            </a:r>
-            <a:r>
-              <a:rPr lang="ko-KR" altLang="en-US" sz="2000" dirty="0" smtClean="0"/>
-              <a:t> </a:t>
-            </a:r>
-            <a:r>
-              <a:rPr lang="en-US" altLang="ko-KR" sz="2000" dirty="0" smtClean="0"/>
-              <a:t>MYSQL</a:t>
-            </a:r>
-            <a:r>
-              <a:rPr lang="ko-KR" altLang="en-US" sz="2000" dirty="0" smtClean="0"/>
-              <a:t>을 사용</a:t>
-            </a:r>
-            <a:endParaRPr lang="en-US" altLang="ko-KR" sz="2000" dirty="0" smtClean="0"/>
+              <a:rPr lang="ko-KR" altLang="en-US" sz="2400" dirty="0"/>
+              <a:t>국가는 피난문자로 시민들에게 피난 유도했다</a:t>
+            </a:r>
+            <a:r>
+              <a:rPr lang="en-US" altLang="ko-KR" sz="2400" dirty="0"/>
+              <a:t>.</a:t>
+            </a:r>
           </a:p>
           <a:p>
             <a:pPr>
               <a:buFontTx/>
               <a:buChar char="-"/>
             </a:pPr>
-            <a:endParaRPr lang="en-US" altLang="ko-KR" dirty="0"/>
-          </a:p>
-          <a:p>
-            <a:pPr marL="0" indent="0">
-              <a:buNone/>
+            <a:endParaRPr lang="en-US" altLang="ko-KR" sz="2400" dirty="0"/>
+          </a:p>
+          <a:p>
+            <a:pPr>
+              <a:buFontTx/>
+              <a:buChar char="-"/>
             </a:pPr>
-            <a:endParaRPr lang="en-US" altLang="ko-KR" dirty="0" smtClean="0"/>
+            <a:r>
+              <a:rPr lang="ko-KR" altLang="en-US" sz="2400" dirty="0"/>
+              <a:t>하지만 피난 문자는 산불이 난 산이 둘러싸고 있는 초등학교를 피난 장소로 안내했다</a:t>
+            </a:r>
+            <a:r>
+              <a:rPr lang="en-US" altLang="ko-KR" sz="2400" dirty="0"/>
+              <a:t>.</a:t>
+            </a:r>
+          </a:p>
+          <a:p>
+            <a:pPr>
+              <a:buFontTx/>
+              <a:buChar char="-"/>
+            </a:pPr>
+            <a:endParaRPr lang="en-US" altLang="ko-KR" sz="2400" dirty="0"/>
+          </a:p>
+          <a:p>
+            <a:pPr>
+              <a:buFontTx/>
+              <a:buChar char="-"/>
+            </a:pPr>
+            <a:r>
+              <a:rPr lang="ko-KR" altLang="en-US" sz="2400" dirty="0"/>
+              <a:t>만약 많은 사람들이 그것을 보고 </a:t>
+            </a:r>
+            <a:r>
+              <a:rPr lang="ko-KR" altLang="en-US" sz="2400" dirty="0" err="1"/>
+              <a:t>이동했을시</a:t>
+            </a:r>
+            <a:r>
+              <a:rPr lang="ko-KR" altLang="en-US" sz="2400" dirty="0"/>
+              <a:t> 많은 인명 피해가 발생 할 수 있었다</a:t>
+            </a:r>
+            <a:r>
+              <a:rPr lang="en-US" altLang="ko-KR" sz="2400" dirty="0"/>
+              <a:t>.</a:t>
+            </a:r>
+            <a:endParaRPr lang="ko-KR" altLang="en-US" sz="2400" dirty="0"/>
+          </a:p>
+        </p:txBody>
+      </p:sp>
+      <p:sp>
+        <p:nvSpPr>
+          <p:cNvPr id="6" name="슬라이드 번호 개체 틀 5">
+            <a:extLst>
+              <a:ext uri="{FF2B5EF4-FFF2-40B4-BE49-F238E27FC236}">
+                <a16:creationId xmlns:a16="http://schemas.microsoft.com/office/drawing/2014/main" id="{BA53BD7F-7F7F-4275-9CC7-0968138A6D43}"/>
+              </a:ext>
+            </a:extLst>
+          </p:cNvPr>
+          <p:cNvSpPr>
+            <a:spLocks noGrp="1"/>
+          </p:cNvSpPr>
+          <p:nvPr>
+            <p:ph type="sldNum" sz="quarter" idx="12"/>
+          </p:nvPr>
+        </p:nvSpPr>
+        <p:spPr>
+          <a:xfrm>
+            <a:off x="8646459" y="6297638"/>
+            <a:ext cx="2743200" cy="365125"/>
+          </a:xfrm>
+        </p:spPr>
+        <p:txBody>
+          <a:bodyPr/>
+          <a:lstStyle/>
+          <a:p>
+            <a:fld id="{C246202D-E836-4A02-B0E2-2810C1AC2418}" type="slidenum">
+              <a:rPr lang="ko-KR" altLang="en-US" smtClean="0"/>
+              <a:t>4</a:t>
+            </a:fld>
+            <a:endParaRPr lang="ko-KR" altLang="en-US"/>
           </a:p>
         </p:txBody>
       </p:sp>
     </p:spTree>
     <p:extLst>
       <p:ext uri="{BB962C8B-B14F-4D97-AF65-F5344CB8AC3E}">
-        <p14:creationId xmlns:p14="http://schemas.microsoft.com/office/powerpoint/2010/main" val="2553362692"/>
+        <p14:creationId xmlns:p14="http://schemas.microsoft.com/office/powerpoint/2010/main" val="4260061631"/>
       </p:ext>
     </p:extLst>
   </p:cSld>
@@ -3741,35 +5085,164 @@
             <p:ph type="title"/>
           </p:nvPr>
         </p:nvSpPr>
+        <p:spPr>
+          <a:xfrm>
+            <a:off x="335280" y="271461"/>
+            <a:ext cx="4133850" cy="1009968"/>
+          </a:xfrm>
+        </p:spPr>
+        <p:txBody>
+          <a:bodyPr/>
+          <a:lstStyle/>
+          <a:p>
+            <a:r>
+              <a:rPr lang="ko-KR" altLang="en-US" dirty="0"/>
+              <a:t>프로젝트 설명</a:t>
+            </a:r>
+          </a:p>
+        </p:txBody>
+      </p:sp>
+      <p:sp>
+        <p:nvSpPr>
+          <p:cNvPr id="6" name="슬라이드 번호 개체 틀 5">
+            <a:extLst>
+              <a:ext uri="{FF2B5EF4-FFF2-40B4-BE49-F238E27FC236}">
+                <a16:creationId xmlns:a16="http://schemas.microsoft.com/office/drawing/2014/main" id="{7EBE288C-90F9-4928-B533-A4DBD22736BB}"/>
+              </a:ext>
+            </a:extLst>
+          </p:cNvPr>
+          <p:cNvSpPr>
+            <a:spLocks noGrp="1"/>
+          </p:cNvSpPr>
+          <p:nvPr>
+            <p:ph type="sldNum" sz="quarter" idx="12"/>
+          </p:nvPr>
+        </p:nvSpPr>
         <p:spPr/>
         <p:txBody>
           <a:bodyPr/>
           <a:lstStyle/>
           <a:p>
-            <a:r>
-              <a:rPr lang="ko-KR" altLang="en-US" dirty="0" smtClean="0"/>
-              <a:t>프로젝트 설명</a:t>
-            </a:r>
-            <a:endParaRPr lang="ko-KR" altLang="en-US" dirty="0"/>
-          </a:p>
-        </p:txBody>
-      </p:sp>
-      <p:sp>
-        <p:nvSpPr>
-          <p:cNvPr id="3" name="내용 개체 틀 2"/>
-          <p:cNvSpPr>
-            <a:spLocks noGrp="1"/>
-          </p:cNvSpPr>
-          <p:nvPr>
-            <p:ph idx="1"/>
-          </p:nvPr>
-        </p:nvSpPr>
-        <p:spPr/>
-        <p:txBody>
-          <a:bodyPr/>
-          <a:lstStyle/>
-          <a:p>
-            <a:endParaRPr lang="ko-KR" altLang="en-US" dirty="0"/>
+            <a:fld id="{C246202D-E836-4A02-B0E2-2810C1AC2418}" type="slidenum">
+              <a:rPr lang="ko-KR" altLang="en-US" smtClean="0"/>
+              <a:t>5</a:t>
+            </a:fld>
+            <a:endParaRPr lang="ko-KR" altLang="en-US"/>
+          </a:p>
+        </p:txBody>
+      </p:sp>
+      <p:sp>
+        <p:nvSpPr>
+          <p:cNvPr id="5" name="TextBox 4">
+            <a:extLst>
+              <a:ext uri="{FF2B5EF4-FFF2-40B4-BE49-F238E27FC236}">
+                <a16:creationId xmlns:a16="http://schemas.microsoft.com/office/drawing/2014/main" id="{DC27649E-AAE5-4142-8A77-16E3C0787076}"/>
+              </a:ext>
+            </a:extLst>
+          </p:cNvPr>
+          <p:cNvSpPr txBox="1"/>
+          <p:nvPr/>
+        </p:nvSpPr>
+        <p:spPr>
+          <a:xfrm>
+            <a:off x="335280" y="1343342"/>
+            <a:ext cx="11551920" cy="4124527"/>
+          </a:xfrm>
+          <a:prstGeom prst="rect">
+            <a:avLst/>
+          </a:prstGeom>
+          <a:noFill/>
+        </p:spPr>
+        <p:txBody>
+          <a:bodyPr wrap="square" rtlCol="0">
+            <a:spAutoFit/>
+          </a:bodyPr>
+          <a:lstStyle/>
+          <a:p>
+            <a:pPr marL="285750" indent="-285750">
+              <a:lnSpc>
+                <a:spcPct val="250000"/>
+              </a:lnSpc>
+              <a:buFont typeface="Arial" panose="020B0604020202020204" pitchFamily="34" charset="0"/>
+              <a:buChar char="•"/>
+            </a:pPr>
+            <a:r>
+              <a:rPr lang="ko-KR" altLang="en-US" dirty="0" err="1"/>
+              <a:t>재난시</a:t>
+            </a:r>
+            <a:r>
+              <a:rPr lang="ko-KR" altLang="en-US" dirty="0"/>
+              <a:t> </a:t>
+            </a:r>
+            <a:r>
+              <a:rPr lang="ko-KR" altLang="en-US" dirty="0" err="1"/>
+              <a:t>현위치부터</a:t>
+            </a:r>
+            <a:r>
+              <a:rPr lang="ko-KR" altLang="en-US" dirty="0"/>
+              <a:t> 피난장소까지 최단거리를 안내</a:t>
+            </a:r>
+            <a:endParaRPr lang="en-US" altLang="ko-KR" dirty="0"/>
+          </a:p>
+          <a:p>
+            <a:pPr marL="285750" indent="-285750">
+              <a:lnSpc>
+                <a:spcPct val="250000"/>
+              </a:lnSpc>
+              <a:buFont typeface="Arial" panose="020B0604020202020204" pitchFamily="34" charset="0"/>
+              <a:buChar char="•"/>
+            </a:pPr>
+            <a:r>
+              <a:rPr lang="ko-KR" altLang="en-US" dirty="0"/>
+              <a:t>피난 장소 사용 여부 사용자가 판별해 주는 커뮤니티</a:t>
+            </a:r>
+            <a:endParaRPr lang="en-US" altLang="ko-KR" dirty="0"/>
+          </a:p>
+          <a:p>
+            <a:pPr marL="285750" indent="-285750">
+              <a:lnSpc>
+                <a:spcPct val="250000"/>
+              </a:lnSpc>
+              <a:buFont typeface="Arial" panose="020B0604020202020204" pitchFamily="34" charset="0"/>
+              <a:buChar char="•"/>
+            </a:pPr>
+            <a:r>
+              <a:rPr lang="ko-KR" altLang="en-US" dirty="0"/>
+              <a:t>현재 위치를 불러와 출발지로 지정하고 가고자 하는 대피소에 마우스 왼쪽 클릭을 하여 도착지로 지정하면 해당 경로의 최단거리를 </a:t>
+            </a:r>
+            <a:r>
+              <a:rPr lang="ko-KR" altLang="en-US" dirty="0" err="1"/>
+              <a:t>표시해줌</a:t>
+            </a:r>
+            <a:r>
+              <a:rPr lang="en-US" altLang="ko-KR" dirty="0"/>
+              <a:t>.</a:t>
+            </a:r>
+          </a:p>
+          <a:p>
+            <a:pPr marL="285750" indent="-285750">
+              <a:lnSpc>
+                <a:spcPct val="250000"/>
+              </a:lnSpc>
+              <a:buFont typeface="Arial" panose="020B0604020202020204" pitchFamily="34" charset="0"/>
+              <a:buChar char="•"/>
+            </a:pPr>
+            <a:r>
+              <a:rPr lang="ko-KR" altLang="en-US" dirty="0"/>
+              <a:t>대피소의 정보에서 커뮤니티로 이동을 누르면 해당 대피소의 커뮤니티 </a:t>
+            </a:r>
+            <a:r>
+              <a:rPr lang="en-US" altLang="ko-KR" dirty="0"/>
+              <a:t>JSP </a:t>
+            </a:r>
+            <a:r>
+              <a:rPr lang="ko-KR" altLang="en-US" dirty="0"/>
+              <a:t>페이지로 이동하여 댓글을 작성할 수 있고 작성된 글들을 볼 수 있다</a:t>
+            </a:r>
+            <a:r>
+              <a:rPr lang="en-US" altLang="ko-KR" dirty="0"/>
+              <a:t>.</a:t>
+            </a:r>
           </a:p>
         </p:txBody>
       </p:sp>
@@ -3815,8 +5288,8 @@
         </p:nvSpPr>
         <p:spPr>
           <a:xfrm>
-            <a:off x="838200" y="365125"/>
-            <a:ext cx="10515600" cy="5869420"/>
+            <a:off x="1530723" y="2652339"/>
+            <a:ext cx="9130553" cy="1553322"/>
           </a:xfrm>
         </p:spPr>
         <p:txBody>
@@ -3827,10 +5300,76 @@
           <a:p>
             <a:pPr algn="ctr"/>
             <a:r>
-              <a:rPr lang="ko-KR" altLang="en-US" sz="10000" dirty="0" smtClean="0"/>
+              <a:rPr lang="ko-KR" altLang="en-US" sz="5400" dirty="0"/>
               <a:t>프로젝트 시연</a:t>
             </a:r>
-            <a:endParaRPr lang="ko-KR" altLang="en-US" sz="10000" dirty="0"/>
+          </a:p>
+        </p:txBody>
+      </p:sp>
+      <p:sp>
+        <p:nvSpPr>
+          <p:cNvPr id="5" name="슬라이드 번호 개체 틀 4">
+            <a:extLst>
+              <a:ext uri="{FF2B5EF4-FFF2-40B4-BE49-F238E27FC236}">
+                <a16:creationId xmlns:a16="http://schemas.microsoft.com/office/drawing/2014/main" id="{59C3B8DA-4984-477E-98A9-0BFD85C66814}"/>
+              </a:ext>
+            </a:extLst>
+          </p:cNvPr>
+          <p:cNvSpPr>
+            <a:spLocks noGrp="1"/>
+          </p:cNvSpPr>
+          <p:nvPr>
+            <p:ph type="sldNum" sz="quarter" idx="12"/>
+          </p:nvPr>
+        </p:nvSpPr>
+        <p:spPr/>
+        <p:txBody>
+          <a:bodyPr/>
+          <a:lstStyle/>
+          <a:p>
+            <a:fld id="{C246202D-E836-4A02-B0E2-2810C1AC2418}" type="slidenum">
+              <a:rPr lang="ko-KR" altLang="en-US" smtClean="0"/>
+              <a:t>6</a:t>
+            </a:fld>
+            <a:endParaRPr lang="ko-KR" altLang="en-US"/>
+          </a:p>
+        </p:txBody>
+      </p:sp>
+      <p:sp>
+        <p:nvSpPr>
+          <p:cNvPr id="6" name="TextBox 5">
+            <a:extLst>
+              <a:ext uri="{FF2B5EF4-FFF2-40B4-BE49-F238E27FC236}">
+                <a16:creationId xmlns:a16="http://schemas.microsoft.com/office/drawing/2014/main" id="{5913FE45-016D-47B8-9B3F-A8150467689B}"/>
+              </a:ext>
+            </a:extLst>
+          </p:cNvPr>
+          <p:cNvSpPr txBox="1"/>
+          <p:nvPr/>
+        </p:nvSpPr>
+        <p:spPr>
+          <a:xfrm>
+            <a:off x="5011268" y="4205661"/>
+            <a:ext cx="2169461" cy="646331"/>
+          </a:xfrm>
+          <a:prstGeom prst="rect">
+            <a:avLst/>
+          </a:prstGeom>
+          <a:noFill/>
+        </p:spPr>
+        <p:txBody>
+          <a:bodyPr wrap="square" rtlCol="0">
+            <a:spAutoFit/>
+          </a:bodyPr>
+          <a:lstStyle/>
+          <a:p>
+            <a:r>
+              <a:rPr lang="ko-KR" altLang="en-US" sz="3600" dirty="0">
+                <a:hlinkClick r:id="rId2"/>
+              </a:rPr>
+              <a:t>바로가기</a:t>
+            </a:r>
+            <a:endParaRPr lang="ko-KR" altLang="en-US" sz="3600" dirty="0"/>
           </a:p>
         </p:txBody>
       </p:sp>
@@ -3880,10 +5419,9 @@
           <a:lstStyle/>
           <a:p>
             <a:r>
-              <a:rPr lang="ko-KR" altLang="en-US" dirty="0" smtClean="0"/>
+              <a:rPr lang="ko-KR" altLang="en-US" dirty="0"/>
               <a:t>추가 수정 사항</a:t>
             </a:r>
-            <a:endParaRPr lang="ko-KR" altLang="en-US" dirty="0"/>
           </a:p>
         </p:txBody>
       </p:sp>
@@ -3903,80 +5441,105 @@
           <a:lstStyle/>
           <a:p>
             <a:r>
-              <a:rPr lang="ko-KR" altLang="en-US" dirty="0" smtClean="0"/>
+              <a:rPr lang="ko-KR" altLang="en-US" dirty="0"/>
               <a:t>자신의 위치에서 사용 가능한 곳 중 가장 가까운 곳을 자동으로 설정 및 안내 해주는 서비스</a:t>
             </a:r>
-            <a:endParaRPr lang="en-US" altLang="ko-KR" dirty="0" smtClean="0"/>
+            <a:endParaRPr lang="en-US" altLang="ko-KR" dirty="0"/>
           </a:p>
           <a:p>
             <a:pPr marL="0" indent="0">
               <a:buNone/>
             </a:pPr>
-            <a:endParaRPr lang="en-US" altLang="ko-KR" dirty="0" smtClean="0"/>
-          </a:p>
-          <a:p>
-            <a:r>
-              <a:rPr lang="ko-KR" altLang="en-US" dirty="0" smtClean="0"/>
+            <a:endParaRPr lang="en-US" altLang="ko-KR" dirty="0"/>
+          </a:p>
+          <a:p>
+            <a:r>
+              <a:rPr lang="ko-KR" altLang="en-US" dirty="0"/>
               <a:t>위치 정보 </a:t>
             </a:r>
             <a:r>
-              <a:rPr lang="ko-KR" altLang="en-US" dirty="0" err="1" smtClean="0"/>
+              <a:rPr lang="ko-KR" altLang="en-US" dirty="0" err="1"/>
               <a:t>클릭시</a:t>
             </a:r>
             <a:r>
-              <a:rPr lang="ko-KR" altLang="en-US" dirty="0" smtClean="0"/>
+              <a:rPr lang="ko-KR" altLang="en-US" dirty="0"/>
               <a:t> 업</a:t>
             </a:r>
             <a:r>
-              <a:rPr lang="en-US" altLang="ko-KR" dirty="0" smtClean="0"/>
+              <a:rPr lang="en-US" altLang="ko-KR" dirty="0"/>
               <a:t>,</a:t>
             </a:r>
             <a:r>
-              <a:rPr lang="ko-KR" altLang="en-US" dirty="0" smtClean="0"/>
+              <a:rPr lang="ko-KR" altLang="en-US" dirty="0"/>
               <a:t>다운으로 사용 가능</a:t>
             </a:r>
             <a:r>
-              <a:rPr lang="en-US" altLang="ko-KR" dirty="0" smtClean="0"/>
+              <a:rPr lang="en-US" altLang="ko-KR" dirty="0"/>
               <a:t>,</a:t>
             </a:r>
             <a:r>
-              <a:rPr lang="ko-KR" altLang="en-US" dirty="0" smtClean="0"/>
+              <a:rPr lang="ko-KR" altLang="en-US" dirty="0"/>
               <a:t>불가능 표시</a:t>
             </a:r>
-            <a:endParaRPr lang="en-US" altLang="ko-KR" dirty="0" smtClean="0"/>
+            <a:endParaRPr lang="en-US" altLang="ko-KR" dirty="0"/>
           </a:p>
           <a:p>
             <a:pPr marL="0" indent="0">
               <a:buNone/>
             </a:pPr>
-            <a:endParaRPr lang="en-US" altLang="ko-KR" dirty="0" smtClean="0"/>
-          </a:p>
-          <a:p>
-            <a:r>
-              <a:rPr lang="ko-KR" altLang="en-US" dirty="0" smtClean="0"/>
+            <a:endParaRPr lang="en-US" altLang="ko-KR" dirty="0"/>
+          </a:p>
+          <a:p>
+            <a:r>
+              <a:rPr lang="ko-KR" altLang="en-US" dirty="0"/>
               <a:t>휴대폰</a:t>
             </a:r>
             <a:r>
-              <a:rPr lang="en-US" altLang="ko-KR" dirty="0" smtClean="0"/>
+              <a:rPr lang="en-US" altLang="ko-KR" dirty="0"/>
               <a:t>, </a:t>
             </a:r>
             <a:r>
-              <a:rPr lang="ko-KR" altLang="en-US" dirty="0" smtClean="0"/>
+              <a:rPr lang="ko-KR" altLang="en-US" dirty="0"/>
               <a:t>컴퓨터</a:t>
             </a:r>
             <a:r>
-              <a:rPr lang="en-US" altLang="ko-KR" dirty="0" smtClean="0"/>
+              <a:rPr lang="en-US" altLang="ko-KR" dirty="0"/>
               <a:t>, </a:t>
             </a:r>
             <a:r>
-              <a:rPr lang="ko-KR" altLang="en-US" dirty="0" smtClean="0"/>
-              <a:t>패드 등에 맞게 자동으로 사이즈 변</a:t>
-            </a:r>
-            <a:r>
-              <a:rPr lang="ko-KR" altLang="en-US" dirty="0" smtClean="0"/>
-              <a:t>경</a:t>
-            </a:r>
-            <a:endParaRPr lang="en-US" altLang="ko-KR" dirty="0" smtClean="0"/>
+              <a:rPr lang="ko-KR" altLang="en-US" dirty="0"/>
+              <a:t>패드 등에 맞게 자동으로 사이즈 변경</a:t>
+            </a:r>
+            <a:endParaRPr lang="en-US" altLang="ko-KR" dirty="0"/>
+          </a:p>
+        </p:txBody>
+      </p:sp>
+      <p:sp>
+        <p:nvSpPr>
+          <p:cNvPr id="6" name="슬라이드 번호 개체 틀 5">
+            <a:extLst>
+              <a:ext uri="{FF2B5EF4-FFF2-40B4-BE49-F238E27FC236}">
+                <a16:creationId xmlns:a16="http://schemas.microsoft.com/office/drawing/2014/main" id="{315147FD-A0F9-44D5-B247-7A2B3039D5B3}"/>
+              </a:ext>
+            </a:extLst>
+          </p:cNvPr>
+          <p:cNvSpPr>
+            <a:spLocks noGrp="1"/>
+          </p:cNvSpPr>
+          <p:nvPr>
+            <p:ph type="sldNum" sz="quarter" idx="12"/>
+          </p:nvPr>
+        </p:nvSpPr>
+        <p:spPr/>
+        <p:txBody>
+          <a:bodyPr/>
+          <a:lstStyle/>
+          <a:p>
+            <a:fld id="{C246202D-E836-4A02-B0E2-2810C1AC2418}" type="slidenum">
+              <a:rPr lang="ko-KR" altLang="en-US" smtClean="0"/>
+              <a:t>7</a:t>
+            </a:fld>
+            <a:endParaRPr lang="ko-KR" altLang="en-US"/>
           </a:p>
         </p:txBody>
       </p:sp>
@@ -4022,8 +5585,8 @@
         </p:nvSpPr>
         <p:spPr>
           <a:xfrm>
-            <a:off x="838200" y="365125"/>
-            <a:ext cx="10515600" cy="5927610"/>
+            <a:off x="4598670" y="2671503"/>
+            <a:ext cx="3162300" cy="1514994"/>
           </a:xfrm>
         </p:spPr>
         <p:txBody>
@@ -4034,10 +5597,39 @@
           <a:p>
             <a:pPr algn="ctr"/>
             <a:r>
-              <a:rPr lang="en-US" altLang="ko-KR" sz="10000" dirty="0" smtClean="0"/>
+              <a:rPr lang="en-US" altLang="ko-KR" dirty="0"/>
               <a:t>Q &amp; A</a:t>
             </a:r>
-            <a:endParaRPr lang="ko-KR" altLang="en-US" sz="10000" dirty="0"/>
+            <a:endParaRPr lang="ko-KR" altLang="en-US" dirty="0"/>
+          </a:p>
+        </p:txBody>
+      </p:sp>
+      <p:sp>
+        <p:nvSpPr>
+          <p:cNvPr id="5" name="슬라이드 번호 개체 틀 4">
+            <a:extLst>
+              <a:ext uri="{FF2B5EF4-FFF2-40B4-BE49-F238E27FC236}">
+                <a16:creationId xmlns:a16="http://schemas.microsoft.com/office/drawing/2014/main" id="{F638940D-DE42-4654-A240-74EAD3463C8A}"/>
+              </a:ext>
+            </a:extLst>
+          </p:cNvPr>
+          <p:cNvSpPr>
+            <a:spLocks noGrp="1"/>
+          </p:cNvSpPr>
+          <p:nvPr>
+            <p:ph type="sldNum" sz="quarter" idx="12"/>
+          </p:nvPr>
+        </p:nvSpPr>
+        <p:spPr/>
+        <p:txBody>
+          <a:bodyPr/>
+          <a:lstStyle/>
+          <a:p>
+            <a:fld id="{C246202D-E836-4A02-B0E2-2810C1AC2418}" type="slidenum">
+              <a:rPr lang="ko-KR" altLang="en-US" smtClean="0"/>
+              <a:t>8</a:t>
+            </a:fld>
+            <a:endParaRPr lang="ko-KR" altLang="en-US"/>
           </a:p>
         </p:txBody>
       </p:sp>
@@ -4081,16 +5673,20 @@
             <p:ph type="title"/>
           </p:nvPr>
         </p:nvSpPr>
-        <p:spPr/>
+        <p:spPr>
+          <a:xfrm>
+            <a:off x="464820" y="358456"/>
+            <a:ext cx="3025140" cy="915035"/>
+          </a:xfrm>
+        </p:spPr>
         <p:txBody>
           <a:bodyPr/>
           <a:lstStyle/>
           <a:p>
             <a:r>
-              <a:rPr lang="ko-KR" altLang="en-US" dirty="0" smtClean="0"/>
+              <a:rPr lang="ko-KR" altLang="en-US" dirty="0"/>
               <a:t>참고 문헌</a:t>
             </a:r>
-            <a:endParaRPr lang="ko-KR" altLang="en-US" dirty="0"/>
           </a:p>
         </p:txBody>
       </p:sp>
@@ -4104,62 +5700,115 @@
             <p:ph idx="1"/>
           </p:nvPr>
         </p:nvSpPr>
-        <p:spPr/>
+        <p:spPr>
+          <a:xfrm>
+            <a:off x="464820" y="1690688"/>
+            <a:ext cx="10888980" cy="4351338"/>
+          </a:xfrm>
+        </p:spPr>
         <p:txBody>
           <a:bodyPr/>
           <a:lstStyle/>
           <a:p>
             <a:r>
-              <a:rPr lang="en-US" altLang="ko-KR" dirty="0" smtClean="0">
+              <a:rPr lang="en-US" altLang="ko-KR" dirty="0"/>
+              <a:t>T-map API</a:t>
+            </a:r>
+            <a:br>
+              <a:rPr lang="en-US" altLang="ko-KR" dirty="0">
+                <a:hlinkClick r:id="rId2"/>
+              </a:rPr>
+            </a:br>
+            <a:r>
+              <a:rPr lang="en-US" altLang="ko-KR" dirty="0">
                 <a:hlinkClick r:id="rId2"/>
               </a:rPr>
               <a:t>http://tmapapi.sktelecom.com/main.html</a:t>
             </a:r>
-            <a:r>
-              <a:rPr lang="en-US" altLang="ko-KR" dirty="0" smtClean="0"/>
-              <a:t> -</a:t>
-            </a:r>
-            <a:r>
-              <a:rPr lang="en-US" altLang="ko-KR" dirty="0" err="1" smtClean="0"/>
-              <a:t>Tmap-api</a:t>
-            </a:r>
-            <a:endParaRPr lang="en-US" altLang="ko-KR" dirty="0" smtClean="0"/>
-          </a:p>
-          <a:p>
-            <a:r>
-              <a:rPr lang="en-US" altLang="ko-KR" dirty="0" smtClean="0">
+            <a:endParaRPr lang="en-US" altLang="ko-KR" dirty="0"/>
+          </a:p>
+          <a:p>
+            <a:endParaRPr lang="en-US" altLang="ko-KR" dirty="0"/>
+          </a:p>
+          <a:p>
+            <a:r>
+              <a:rPr lang="ko-KR" altLang="en-US" dirty="0" err="1"/>
+              <a:t>공공데이터</a:t>
+            </a:r>
+            <a:r>
+              <a:rPr lang="ko-KR" altLang="en-US" dirty="0"/>
+              <a:t> 충청남도 천안시</a:t>
+            </a:r>
+            <a:r>
+              <a:rPr lang="en-US" altLang="ko-KR" dirty="0"/>
+              <a:t>_</a:t>
+            </a:r>
+            <a:r>
+              <a:rPr lang="ko-KR" altLang="en-US" dirty="0"/>
+              <a:t>지진해일대피소</a:t>
+            </a:r>
+            <a:br>
+              <a:rPr lang="en-US" altLang="ko-KR" dirty="0">
+                <a:hlinkClick r:id="rId3"/>
+              </a:rPr>
+            </a:br>
+            <a:r>
+              <a:rPr lang="en-US" altLang="ko-KR" dirty="0">
                 <a:hlinkClick r:id="rId3"/>
               </a:rPr>
               <a:t>https://www.data.go.kr/dataset/15027312/fileData.do</a:t>
             </a:r>
-            <a:r>
-              <a:rPr lang="en-US" altLang="ko-KR" dirty="0" smtClean="0"/>
-              <a:t> -</a:t>
-            </a:r>
-            <a:r>
-              <a:rPr lang="ko-KR" altLang="en-US" dirty="0" err="1" smtClean="0"/>
-              <a:t>공공데이터</a:t>
-            </a:r>
-            <a:r>
-              <a:rPr lang="ko-KR" altLang="en-US" dirty="0" smtClean="0"/>
-              <a:t> </a:t>
-            </a:r>
-            <a:r>
-              <a:rPr lang="ko-KR" altLang="en-US" dirty="0"/>
-              <a:t>충청남도 천안시</a:t>
-            </a:r>
-            <a:r>
-              <a:rPr lang="en-US" altLang="ko-KR" dirty="0"/>
-              <a:t>_</a:t>
-            </a:r>
-            <a:r>
-              <a:rPr lang="ko-KR" altLang="en-US" dirty="0"/>
-              <a:t>지진해일대피소 </a:t>
-            </a:r>
-            <a:endParaRPr lang="en-US" altLang="ko-KR" dirty="0" smtClean="0"/>
-          </a:p>
-          <a:p>
+            <a:endParaRPr lang="en-US" altLang="ko-KR" dirty="0"/>
+          </a:p>
+          <a:p>
+            <a:endParaRPr lang="en-US" altLang="ko-KR" dirty="0"/>
+          </a:p>
+          <a:p>
+            <a:r>
+              <a:rPr lang="en" altLang="ko-KR" dirty="0"/>
+              <a:t>Bootstrap</a:t>
+            </a:r>
+            <a:br>
+              <a:rPr lang="en" altLang="ko-KR" dirty="0">
+                <a:hlinkClick r:id="rId4"/>
+              </a:rPr>
+            </a:br>
+            <a:r>
+              <a:rPr lang="en" altLang="ko-KR" dirty="0">
+                <a:hlinkClick r:id="rId4"/>
+              </a:rPr>
+              <a:t>https://getbootstrap.com/</a:t>
+            </a:r>
             <a:endParaRPr lang="ko-KR" altLang="en-US" dirty="0"/>
+          </a:p>
+        </p:txBody>
+      </p:sp>
+      <p:sp>
+        <p:nvSpPr>
+          <p:cNvPr id="6" name="슬라이드 번호 개체 틀 5">
+            <a:extLst>
+              <a:ext uri="{FF2B5EF4-FFF2-40B4-BE49-F238E27FC236}">
+                <a16:creationId xmlns:a16="http://schemas.microsoft.com/office/drawing/2014/main" id="{4DB03E43-6263-49EA-8DD5-6036DCA546FA}"/>
+              </a:ext>
+            </a:extLst>
+          </p:cNvPr>
+          <p:cNvSpPr>
+            <a:spLocks noGrp="1"/>
+          </p:cNvSpPr>
+          <p:nvPr>
+            <p:ph type="sldNum" sz="quarter" idx="12"/>
+          </p:nvPr>
+        </p:nvSpPr>
+        <p:spPr/>
+        <p:txBody>
+          <a:bodyPr/>
+          <a:lstStyle/>
+          <a:p>
+            <a:fld id="{C246202D-E836-4A02-B0E2-2810C1AC2418}" type="slidenum">
+              <a:rPr lang="ko-KR" altLang="en-US" smtClean="0"/>
+              <a:t>9</a:t>
+            </a:fld>
+            <a:endParaRPr lang="ko-KR" altLang="en-US"/>
           </a:p>
         </p:txBody>
       </p:sp>
@@ -4219,7 +5868,7 @@
     </a:clrScheme>
     <a:fontScheme name="Office">
       <a:majorFont>
-        <a:latin typeface="맑은 고딕" panose="020F0302020204030204"/>
+        <a:latin typeface="맑은 고딕"/>
         <a:ea typeface=""/>
         <a:cs typeface=""/>
         <a:font script="Jpan" typeface="游ゴシック Light"/>
@@ -4254,7 +5903,7 @@
         <a:font script="Geor" typeface="Sylfaen"/>
       </a:majorFont>
       <a:minorFont>
-        <a:latin typeface="맑은 고딕" panose="020F0502020204030204"/>
+        <a:latin typeface="맑은 고딕"/>
         <a:ea typeface=""/>
         <a:cs typeface=""/>
         <a:font script="Jpan" typeface="游ゴシック"/>
@@ -4435,4 +6084,594 @@
     </a:ext>
   </a:extLst>
 </a:theme>
+</file>
+
+<file path=ppt/theme/theme2.xml><?xml version="1.0" encoding="utf-8"?>
+<a:theme xmlns:a="http://schemas.openxmlformats.org/drawingml/2006/main" name="Office 테마">
+  <a:themeElements>
+    <a:clrScheme name="Office">
+      <a:dk1>
+        <a:sysClr val="windowText" lastClr="000000"/>
+      </a:dk1>
+      <a:lt1>
+        <a:sysClr val="window" lastClr="FFFFFF"/>
+      </a:lt1>
+      <a:dk2>
+        <a:srgbClr val="44546A"/>
+      </a:dk2>
+      <a:lt2>
+        <a:srgbClr val="E7E6E6"/>
+      </a:lt2>
+      <a:accent1>
+        <a:srgbClr val="4472C4"/>
+      </a:accent1>
+      <a:accent2>
+        <a:srgbClr val="ED7D31"/>
+      </a:accent2>
+      <a:accent3>
+        <a:srgbClr val="A5A5A5"/>
+      </a:accent3>
+      <a:accent4>
+        <a:srgbClr val="FFC000"/>
+      </a:accent4>
+      <a:accent5>
+        <a:srgbClr val="5B9BD5"/>
+      </a:accent5>
+      <a:accent6>
+        <a:srgbClr val="70AD47"/>
+      </a:accent6>
+      <a:hlink>
+        <a:srgbClr val="0563C1"/>
+      </a:hlink>
+      <a:folHlink>
+        <a:srgbClr val="954F72"/>
+      </a:folHlink>
+    </a:clrScheme>
+    <a:fontScheme name="Office">
+      <a:majorFont>
+        <a:latin typeface="맑은 고딕"/>
+        <a:ea typeface=""/>
+        <a:cs typeface=""/>
+        <a:font script="Jpan" typeface="游ゴシック Light"/>
+        <a:font script="Hang" typeface="맑은 고딕"/>
+        <a:font script="Hans" typeface="等线 Light"/>
+        <a:font script="Hant" typeface="新細明體"/>
+        <a:font script="Arab" typeface="Times New Roman"/>
+        <a:font script="Hebr" typeface="Times New Roman"/>
+        <a:font script="Thai" typeface="Angsana New"/>
+        <a:font script="Ethi" typeface="Nyala"/>
+        <a:font script="Beng" typeface="Vrinda"/>
+        <a:font script="Gujr" typeface="Shruti"/>
+        <a:font script="Khmr" typeface="MoolBoran"/>
+        <a:font script="Knda" typeface="Tunga"/>
+        <a:font script="Guru" typeface="Raavi"/>
+        <a:font script="Cans" typeface="Euphemia"/>
+        <a:font script="Cher" typeface="Plantagenet Cherokee"/>
+        <a:font script="Yiii" typeface="Microsoft Yi Baiti"/>
+        <a:font script="Tibt" typeface="Microsoft Himalaya"/>
+        <a:font script="Thaa" typeface="MV Boli"/>
+        <a:font script="Deva" typeface="Mangal"/>
+        <a:font script="Telu" typeface="Gautami"/>
+        <a:font script="Taml" typeface="Latha"/>
+        <a:font script="Syrc" typeface="Estrangelo Edessa"/>
+        <a:font script="Orya" typeface="Kalinga"/>
+        <a:font script="Mlym" typeface="Kartika"/>
+        <a:font script="Laoo" typeface="DokChampa"/>
+        <a:font script="Sinh" typeface="Iskoola Pota"/>
+        <a:font script="Mong" typeface="Mongolian Baiti"/>
+        <a:font script="Viet" typeface="Times New Roman"/>
+        <a:font script="Uigh" typeface="Microsoft Uighur"/>
+        <a:font script="Geor" typeface="Sylfaen"/>
+        <a:font script="Armn" typeface="Arial"/>
+        <a:font script="Bugi" typeface="Leelawadee UI"/>
+        <a:font script="Bopo" typeface="Microsoft JhengHei"/>
+        <a:font script="Java" typeface="Javanese Text"/>
+        <a:font script="Lisu" typeface="Segoe UI"/>
+        <a:font script="Mymr" typeface="Myanmar Text"/>
+        <a:font script="Nkoo" typeface="Ebrima"/>
+        <a:font script="Olck" typeface="Nirmala UI"/>
+        <a:font script="Osma" typeface="Ebrima"/>
+        <a:font script="Phag" typeface="Phagspa"/>
+        <a:font script="Syrn" typeface="Estrangelo Edessa"/>
+        <a:font script="Syrj" typeface="Estrangelo Edessa"/>
+        <a:font script="Syre" typeface="Estrangelo Edessa"/>
+        <a:font script="Sora" typeface="Nirmala UI"/>
+        <a:font script="Tale" typeface="Microsoft Tai Le"/>
+        <a:font script="Talu" typeface="Microsoft New Tai Lue"/>
+        <a:font script="Tfng" typeface="Ebrima"/>
+      </a:majorFont>
+      <a:minorFont>
+        <a:latin typeface="맑은 고딕"/>
+        <a:ea typeface=""/>
+        <a:cs typeface=""/>
+        <a:font script="Jpan" typeface="游ゴシック"/>
+        <a:font script="Hang" typeface="맑은 고딕"/>
+        <a:font script="Hans" typeface="等线"/>
+        <a:font script="Hant" typeface="新細明體"/>
+        <a:font script="Arab" typeface="Arial"/>
+        <a:font script="Hebr" typeface="Arial"/>
+        <a:font script="Thai" typeface="Cordia New"/>
+        <a:font script="Ethi" typeface="Nyala"/>
+        <a:font script="Beng" typeface="Vrinda"/>
+        <a:font script="Gujr" typeface="Shruti"/>
+        <a:font script="Khmr" typeface="DaunPenh"/>
+        <a:font script="Knda" typeface="Tunga"/>
+        <a:font script="Guru" typeface="Raavi"/>
+        <a:font script="Cans" typeface="Euphemia"/>
+        <a:font script="Cher" typeface="Plantagenet Cherokee"/>
+        <a:font script="Yiii" typeface="Microsoft Yi Baiti"/>
+        <a:font script="Tibt" typeface="Microsoft Himalaya"/>
+        <a:font script="Thaa" typeface="MV Boli"/>
+        <a:font script="Deva" typeface="Mangal"/>
+        <a:font script="Telu" typeface="Gautami"/>
+        <a:font script="Taml" typeface="Latha"/>
+        <a:font script="Syrc" typeface="Estrangelo Edessa"/>
+        <a:font script="Orya" typeface="Kalinga"/>
+        <a:font script="Mlym" typeface="Kartika"/>
+        <a:font script="Laoo" typeface="DokChampa"/>
+        <a:font script="Sinh" typeface="Iskoola Pota"/>
+        <a:font script="Mong" typeface="Mongolian Baiti"/>
+        <a:font script="Viet" typeface="Arial"/>
+        <a:font script="Uigh" typeface="Microsoft Uighur"/>
+        <a:font script="Geor" typeface="Sylfaen"/>
+        <a:font script="Armn" typeface="Arial"/>
+        <a:font script="Bugi" typeface="Leelawadee UI"/>
+        <a:font script="Bopo" typeface="Microsoft JhengHei"/>
+        <a:font script="Java" typeface="Javanese Text"/>
+        <a:font script="Lisu" typeface="Segoe UI"/>
+        <a:font script="Mymr" typeface="Myanmar Text"/>
+        <a:font script="Nkoo" typeface="Ebrima"/>
+        <a:font script="Olck" typeface="Nirmala UI"/>
+        <a:font script="Osma" typeface="Ebrima"/>
+        <a:font script="Phag" typeface="Phagspa"/>
+        <a:font script="Syrn" typeface="Estrangelo Edessa"/>
+        <a:font script="Syrj" typeface="Estrangelo Edessa"/>
+        <a:font script="Syre" typeface="Estrangelo Edessa"/>
+        <a:font script="Sora" typeface="Nirmala UI"/>
+        <a:font script="Tale" typeface="Microsoft Tai Le"/>
+        <a:font script="Talu" typeface="Microsoft New Tai Lue"/>
+        <a:font script="Tfng" typeface="Ebrima"/>
+      </a:minorFont>
+    </a:fontScheme>
+    <a:fmtScheme name="Office">
+      <a:fillStyleLst>
+        <a:solidFill>
+          <a:schemeClr val="phClr"/>
+        </a:solidFill>
+        <a:gradFill rotWithShape="1">
+          <a:gsLst>
+            <a:gs pos="0">
+              <a:schemeClr val="phClr">
+                <a:lumMod val="110000"/>
+                <a:satMod val="105000"/>
+                <a:tint val="67000"/>
+              </a:schemeClr>
+            </a:gs>
+            <a:gs pos="50000">
+              <a:schemeClr val="phClr">
+                <a:lumMod val="105000"/>
+                <a:satMod val="103000"/>
+                <a:tint val="73000"/>
+              </a:schemeClr>
+            </a:gs>
+            <a:gs pos="100000">
+              <a:schemeClr val="phClr">
+                <a:lumMod val="105000"/>
+                <a:satMod val="109000"/>
+                <a:tint val="81000"/>
+              </a:schemeClr>
+            </a:gs>
+          </a:gsLst>
+          <a:lin ang="5400000" scaled="0"/>
+        </a:gradFill>
+        <a:gradFill rotWithShape="1">
+          <a:gsLst>
+            <a:gs pos="0">
+              <a:schemeClr val="phClr">
+                <a:satMod val="103000"/>
+                <a:lumMod val="102000"/>
+                <a:tint val="94000"/>
+              </a:schemeClr>
+            </a:gs>
+            <a:gs pos="50000">
+              <a:schemeClr val="phClr">
+                <a:satMod val="110000"/>
+                <a:lumMod val="100000"/>
+                <a:shade val="100000"/>
+              </a:schemeClr>
+            </a:gs>
+            <a:gs pos="100000">
+              <a:schemeClr val="phClr">
+                <a:lumMod val="99000"/>
+                <a:satMod val="120000"/>
+                <a:shade val="78000"/>
+              </a:schemeClr>
+            </a:gs>
+          </a:gsLst>
+          <a:lin ang="5400000" scaled="0"/>
+        </a:gradFill>
+      </a:fillStyleLst>
+      <a:lnStyleLst>
+        <a:ln w="6350" cap="flat" cmpd="sng" algn="ctr">
+          <a:solidFill>
+            <a:schemeClr val="phClr"/>
+          </a:solidFill>
+          <a:prstDash val="solid"/>
+          <a:miter lim="800000"/>
+        </a:ln>
+        <a:ln w="12700" cap="flat" cmpd="sng" algn="ctr">
+          <a:solidFill>
+            <a:schemeClr val="phClr"/>
+          </a:solidFill>
+          <a:prstDash val="solid"/>
+          <a:miter lim="800000"/>
+        </a:ln>
+        <a:ln w="19050" cap="flat" cmpd="sng" algn="ctr">
+          <a:solidFill>
+            <a:schemeClr val="phClr"/>
+          </a:solidFill>
+          <a:prstDash val="solid"/>
+          <a:miter lim="800000"/>
+        </a:ln>
+      </a:lnStyleLst>
+      <a:effectStyleLst>
+        <a:effectStyle>
+          <a:effectLst/>
+        </a:effectStyle>
+        <a:effectStyle>
+          <a:effectLst/>
+        </a:effectStyle>
+        <a:effectStyle>
+          <a:effectLst>
+            <a:outerShdw blurRad="57150" dist="19050" dir="5400000" algn="ctr" rotWithShape="0">
+              <a:srgbClr val="000000">
+                <a:alpha val="63000"/>
+              </a:srgbClr>
+            </a:outerShdw>
+          </a:effectLst>
+        </a:effectStyle>
+      </a:effectStyleLst>
+      <a:bgFillStyleLst>
+        <a:solidFill>
+          <a:schemeClr val="phClr"/>
+        </a:solidFill>
+        <a:solidFill>
+          <a:schemeClr val="phClr">
+            <a:tint val="95000"/>
+            <a:satMod val="170000"/>
+          </a:schemeClr>
+        </a:solidFill>
+        <a:gradFill rotWithShape="1">
+          <a:gsLst>
+            <a:gs pos="0">
+              <a:schemeClr val="phClr">
+                <a:tint val="93000"/>
+                <a:satMod val="150000"/>
+                <a:shade val="98000"/>
+                <a:lumMod val="102000"/>
+              </a:schemeClr>
+            </a:gs>
+            <a:gs pos="50000">
+              <a:schemeClr val="phClr">
+                <a:tint val="98000"/>
+                <a:satMod val="130000"/>
+                <a:shade val="90000"/>
+                <a:lumMod val="103000"/>
+              </a:schemeClr>
+            </a:gs>
+            <a:gs pos="100000">
+              <a:schemeClr val="phClr">
+                <a:shade val="63000"/>
+                <a:satMod val="120000"/>
+              </a:schemeClr>
+            </a:gs>
+          </a:gsLst>
+          <a:lin ang="5400000" scaled="0"/>
+        </a:gradFill>
+      </a:bgFillStyleLst>
+    </a:fmtScheme>
+  </a:themeElements>
+  <a:objectDefaults/>
+  <a:extraClrSchemeLst/>
+  <a:extLst>
+    <a:ext uri="{05A4C25C-085E-4340-85A3-A5531E510DB2}">
+      <thm15:themeFamily xmlns:thm15="http://schemas.microsoft.com/office/thememl/2012/main" name="Office Theme" id="{62F939B6-93AF-4DB8-9C6B-D6C7DFDC589F}" vid="{4A3C46E8-61CC-4603-A589-7422A47A8E4A}"/>
+    </a:ext>
+  </a:extLst>
+</a:theme>
+</file>
+
+<file path=ppt/theme/theme3.xml><?xml version="1.0" encoding="utf-8"?>
+<a:theme xmlns:a="http://schemas.openxmlformats.org/drawingml/2006/main" name="Office 테마">
+  <a:themeElements>
+    <a:clrScheme name="Office">
+      <a:dk1>
+        <a:sysClr val="windowText" lastClr="000000"/>
+      </a:dk1>
+      <a:lt1>
+        <a:sysClr val="window" lastClr="FFFFFF"/>
+      </a:lt1>
+      <a:dk2>
+        <a:srgbClr val="44546A"/>
+      </a:dk2>
+      <a:lt2>
+        <a:srgbClr val="E7E6E6"/>
+      </a:lt2>
+      <a:accent1>
+        <a:srgbClr val="4472C4"/>
+      </a:accent1>
+      <a:accent2>
+        <a:srgbClr val="ED7D31"/>
+      </a:accent2>
+      <a:accent3>
+        <a:srgbClr val="A5A5A5"/>
+      </a:accent3>
+      <a:accent4>
+        <a:srgbClr val="FFC000"/>
+      </a:accent4>
+      <a:accent5>
+        <a:srgbClr val="5B9BD5"/>
+      </a:accent5>
+      <a:accent6>
+        <a:srgbClr val="70AD47"/>
+      </a:accent6>
+      <a:hlink>
+        <a:srgbClr val="0563C1"/>
+      </a:hlink>
+      <a:folHlink>
+        <a:srgbClr val="954F72"/>
+      </a:folHlink>
+    </a:clrScheme>
+    <a:fontScheme name="Office">
+      <a:majorFont>
+        <a:latin typeface="맑은 고딕"/>
+        <a:ea typeface=""/>
+        <a:cs typeface=""/>
+        <a:font script="Jpan" typeface="游ゴシック Light"/>
+        <a:font script="Hang" typeface="맑은 고딕"/>
+        <a:font script="Hans" typeface="等线 Light"/>
+        <a:font script="Hant" typeface="新細明體"/>
+        <a:font script="Arab" typeface="Times New Roman"/>
+        <a:font script="Hebr" typeface="Times New Roman"/>
+        <a:font script="Thai" typeface="Angsana New"/>
+        <a:font script="Ethi" typeface="Nyala"/>
+        <a:font script="Beng" typeface="Vrinda"/>
+        <a:font script="Gujr" typeface="Shruti"/>
+        <a:font script="Khmr" typeface="MoolBoran"/>
+        <a:font script="Knda" typeface="Tunga"/>
+        <a:font script="Guru" typeface="Raavi"/>
+        <a:font script="Cans" typeface="Euphemia"/>
+        <a:font script="Cher" typeface="Plantagenet Cherokee"/>
+        <a:font script="Yiii" typeface="Microsoft Yi Baiti"/>
+        <a:font script="Tibt" typeface="Microsoft Himalaya"/>
+        <a:font script="Thaa" typeface="MV Boli"/>
+        <a:font script="Deva" typeface="Mangal"/>
+        <a:font script="Telu" typeface="Gautami"/>
+        <a:font script="Taml" typeface="Latha"/>
+        <a:font script="Syrc" typeface="Estrangelo Edessa"/>
+        <a:font script="Orya" typeface="Kalinga"/>
+        <a:font script="Mlym" typeface="Kartika"/>
+        <a:font script="Laoo" typeface="DokChampa"/>
+        <a:font script="Sinh" typeface="Iskoola Pota"/>
+        <a:font script="Mong" typeface="Mongolian Baiti"/>
+        <a:font script="Viet" typeface="Times New Roman"/>
+        <a:font script="Uigh" typeface="Microsoft Uighur"/>
+        <a:font script="Geor" typeface="Sylfaen"/>
+        <a:font script="Armn" typeface="Arial"/>
+        <a:font script="Bugi" typeface="Leelawadee UI"/>
+        <a:font script="Bopo" typeface="Microsoft JhengHei"/>
+        <a:font script="Java" typeface="Javanese Text"/>
+        <a:font script="Lisu" typeface="Segoe UI"/>
+        <a:font script="Mymr" typeface="Myanmar Text"/>
+        <a:font script="Nkoo" typeface="Ebrima"/>
+        <a:font script="Olck" typeface="Nirmala UI"/>
+        <a:font script="Osma" typeface="Ebrima"/>
+        <a:font script="Phag" typeface="Phagspa"/>
+        <a:font script="Syrn" typeface="Estrangelo Edessa"/>
+        <a:font script="Syrj" typeface="Estrangelo Edessa"/>
+        <a:font script="Syre" typeface="Estrangelo Edessa"/>
+        <a:font script="Sora" typeface="Nirmala UI"/>
+        <a:font script="Tale" typeface="Microsoft Tai Le"/>
+        <a:font script="Talu" typeface="Microsoft New Tai Lue"/>
+        <a:font script="Tfng" typeface="Ebrima"/>
+      </a:majorFont>
+      <a:minorFont>
+        <a:latin typeface="맑은 고딕"/>
+        <a:ea typeface=""/>
+        <a:cs typeface=""/>
+        <a:font script="Jpan" typeface="游ゴシック"/>
+        <a:font script="Hang" typeface="맑은 고딕"/>
+        <a:font script="Hans" typeface="等线"/>
+        <a:font script="Hant" typeface="新細明體"/>
+        <a:font script="Arab" typeface="Arial"/>
+        <a:font script="Hebr" typeface="Arial"/>
+        <a:font script="Thai" typeface="Cordia New"/>
+        <a:font script="Ethi" typeface="Nyala"/>
+        <a:font script="Beng" typeface="Vrinda"/>
+        <a:font script="Gujr" typeface="Shruti"/>
+        <a:font script="Khmr" typeface="DaunPenh"/>
+        <a:font script="Knda" typeface="Tunga"/>
+        <a:font script="Guru" typeface="Raavi"/>
+        <a:font script="Cans" typeface="Euphemia"/>
+        <a:font script="Cher" typeface="Plantagenet Cherokee"/>
+        <a:font script="Yiii" typeface="Microsoft Yi Baiti"/>
+        <a:font script="Tibt" typeface="Microsoft Himalaya"/>
+        <a:font script="Thaa" typeface="MV Boli"/>
+        <a:font script="Deva" typeface="Mangal"/>
+        <a:font script="Telu" typeface="Gautami"/>
+        <a:font script="Taml" typeface="Latha"/>
+        <a:font script="Syrc" typeface="Estrangelo Edessa"/>
+        <a:font script="Orya" typeface="Kalinga"/>
+        <a:font script="Mlym" typeface="Kartika"/>
+        <a:font script="Laoo" typeface="DokChampa"/>
+        <a:font script="Sinh" typeface="Iskoola Pota"/>
+        <a:font script="Mong" typeface="Mongolian Baiti"/>
+        <a:font script="Viet" typeface="Arial"/>
+        <a:font script="Uigh" typeface="Microsoft Uighur"/>
+        <a:font script="Geor" typeface="Sylfaen"/>
+        <a:font script="Armn" typeface="Arial"/>
+        <a:font script="Bugi" typeface="Leelawadee UI"/>
+        <a:font script="Bopo" typeface="Microsoft JhengHei"/>
+        <a:font script="Java" typeface="Javanese Text"/>
+        <a:font script="Lisu" typeface="Segoe UI"/>
+        <a:font script="Mymr" typeface="Myanmar Text"/>
+        <a:font script="Nkoo" typeface="Ebrima"/>
+        <a:font script="Olck" typeface="Nirmala UI"/>
+        <a:font script="Osma" typeface="Ebrima"/>
+        <a:font script="Phag" typeface="Phagspa"/>
+        <a:font script="Syrn" typeface="Estrangelo Edessa"/>
+        <a:font script="Syrj" typeface="Estrangelo Edessa"/>
+        <a:font script="Syre" typeface="Estrangelo Edessa"/>
+        <a:font script="Sora" typeface="Nirmala UI"/>
+        <a:font script="Tale" typeface="Microsoft Tai Le"/>
+        <a:font script="Talu" typeface="Microsoft New Tai Lue"/>
+        <a:font script="Tfng" typeface="Ebrima"/>
+      </a:minorFont>
+    </a:fontScheme>
+    <a:fmtScheme name="Office">
+      <a:fillStyleLst>
+        <a:solidFill>
+          <a:schemeClr val="phClr"/>
+        </a:solidFill>
+        <a:gradFill rotWithShape="1">
+          <a:gsLst>
+            <a:gs pos="0">
+              <a:schemeClr val="phClr">
+                <a:lumMod val="110000"/>
+                <a:satMod val="105000"/>
+                <a:tint val="67000"/>
+              </a:schemeClr>
+            </a:gs>
+            <a:gs pos="50000">
+              <a:schemeClr val="phClr">
+                <a:lumMod val="105000"/>
+                <a:satMod val="103000"/>
+                <a:tint val="73000"/>
+              </a:schemeClr>
+            </a:gs>
+            <a:gs pos="100000">
+              <a:schemeClr val="phClr">
+                <a:lumMod val="105000"/>
+                <a:satMod val="109000"/>
+                <a:tint val="81000"/>
+              </a:schemeClr>
+            </a:gs>
+          </a:gsLst>
+          <a:lin ang="5400000" scaled="0"/>
+        </a:gradFill>
+        <a:gradFill rotWithShape="1">
+          <a:gsLst>
+            <a:gs pos="0">
+              <a:schemeClr val="phClr">
+                <a:satMod val="103000"/>
+                <a:lumMod val="102000"/>
+                <a:tint val="94000"/>
+              </a:schemeClr>
+            </a:gs>
+            <a:gs pos="50000">
+              <a:schemeClr val="phClr">
+                <a:satMod val="110000"/>
+                <a:lumMod val="100000"/>
+                <a:shade val="100000"/>
+              </a:schemeClr>
+            </a:gs>
+            <a:gs pos="100000">
+              <a:schemeClr val="phClr">
+                <a:lumMod val="99000"/>
+                <a:satMod val="120000"/>
+                <a:shade val="78000"/>
+              </a:schemeClr>
+            </a:gs>
+          </a:gsLst>
+          <a:lin ang="5400000" scaled="0"/>
+        </a:gradFill>
+      </a:fillStyleLst>
+      <a:lnStyleLst>
+        <a:ln w="6350" cap="flat" cmpd="sng" algn="ctr">
+          <a:solidFill>
+            <a:schemeClr val="phClr"/>
+          </a:solidFill>
+          <a:prstDash val="solid"/>
+          <a:miter lim="800000"/>
+        </a:ln>
+        <a:ln w="12700" cap="flat" cmpd="sng" algn="ctr">
+          <a:solidFill>
+            <a:schemeClr val="phClr"/>
+          </a:solidFill>
+          <a:prstDash val="solid"/>
+          <a:miter lim="800000"/>
+        </a:ln>
+        <a:ln w="19050" cap="flat" cmpd="sng" algn="ctr">
+          <a:solidFill>
+            <a:schemeClr val="phClr"/>
+          </a:solidFill>
+          <a:prstDash val="solid"/>
+          <a:miter lim="800000"/>
+        </a:ln>
+      </a:lnStyleLst>
+      <a:effectStyleLst>
+        <a:effectStyle>
+          <a:effectLst/>
+        </a:effectStyle>
+        <a:effectStyle>
+          <a:effectLst/>
+        </a:effectStyle>
+        <a:effectStyle>
+          <a:effectLst>
+            <a:outerShdw blurRad="57150" dist="19050" dir="5400000" algn="ctr" rotWithShape="0">
+              <a:srgbClr val="000000">
+                <a:alpha val="63000"/>
+              </a:srgbClr>
+            </a:outerShdw>
+          </a:effectLst>
+        </a:effectStyle>
+      </a:effectStyleLst>
+      <a:bgFillStyleLst>
+        <a:solidFill>
+          <a:schemeClr val="phClr"/>
+        </a:solidFill>
+        <a:solidFill>
+          <a:schemeClr val="phClr">
+            <a:tint val="95000"/>
+            <a:satMod val="170000"/>
+          </a:schemeClr>
+        </a:solidFill>
+        <a:gradFill rotWithShape="1">
+          <a:gsLst>
+            <a:gs pos="0">
+              <a:schemeClr val="phClr">
+                <a:tint val="93000"/>
+                <a:satMod val="150000"/>
+                <a:shade val="98000"/>
+                <a:lumMod val="102000"/>
+              </a:schemeClr>
+            </a:gs>
+            <a:gs pos="50000">
+              <a:schemeClr val="phClr">
+                <a:tint val="98000"/>
+                <a:satMod val="130000"/>
+                <a:shade val="90000"/>
+                <a:lumMod val="103000"/>
+              </a:schemeClr>
+            </a:gs>
+            <a:gs pos="100000">
+              <a:schemeClr val="phClr">
+                <a:shade val="63000"/>
+                <a:satMod val="120000"/>
+              </a:schemeClr>
+            </a:gs>
+          </a:gsLst>
+          <a:lin ang="5400000" scaled="0"/>
+        </a:gradFill>
+      </a:bgFillStyleLst>
+    </a:fmtScheme>
+  </a:themeElements>
+  <a:objectDefaults/>
+  <a:extraClrSchemeLst/>
+  <a:extLst>
+    <a:ext uri="{05A4C25C-085E-4340-85A3-A5531E510DB2}">
+      <thm15:themeFamily xmlns:thm15="http://schemas.microsoft.com/office/thememl/2012/main" name="Office Theme" id="{62F939B6-93AF-4DB8-9C6B-D6C7DFDC589F}" vid="{4A3C46E8-61CC-4603-A589-7422A47A8E4A}"/>
+    </a:ext>
+  </a:extLst>
+</a:theme>
 </file>